--- a/History Courses/Western Civilization I/01 - Mesopotamia.pptx
+++ b/History Courses/Western Civilization I/01 - Mesopotamia.pptx
@@ -243,7 +243,7 @@
           <a:p>
             <a:fld id="{0F9C1CCF-B725-44A7-AA57-5E433BD85C9F}" type="datetimeFigureOut">
               <a:rPr lang="en-US" smtClean="0"/>
-              <a:t>6/4/2025</a:t>
+              <a:t>6/25/2025</a:t>
             </a:fld>
             <a:endParaRPr lang="en-US"/>
           </a:p>
@@ -3581,7 +3581,7 @@
           <a:p>
             <a:fld id="{241EB5C9-1307-BA42-ABA2-0BC069CD8E7F}" type="datetimeFigureOut">
               <a:rPr lang="en-US" smtClean="0"/>
-              <a:t>6/4/2025</a:t>
+              <a:t>6/25/2025</a:t>
             </a:fld>
             <a:endParaRPr lang="en-US"/>
           </a:p>
@@ -3751,7 +3751,7 @@
           <a:p>
             <a:fld id="{241EB5C9-1307-BA42-ABA2-0BC069CD8E7F}" type="datetimeFigureOut">
               <a:rPr lang="en-US" smtClean="0"/>
-              <a:t>6/4/2025</a:t>
+              <a:t>6/25/2025</a:t>
             </a:fld>
             <a:endParaRPr lang="en-US"/>
           </a:p>
@@ -3931,7 +3931,7 @@
           <a:p>
             <a:fld id="{241EB5C9-1307-BA42-ABA2-0BC069CD8E7F}" type="datetimeFigureOut">
               <a:rPr lang="en-US" smtClean="0"/>
-              <a:t>6/4/2025</a:t>
+              <a:t>6/25/2025</a:t>
             </a:fld>
             <a:endParaRPr lang="en-US"/>
           </a:p>
@@ -4101,7 +4101,7 @@
           <a:p>
             <a:fld id="{241EB5C9-1307-BA42-ABA2-0BC069CD8E7F}" type="datetimeFigureOut">
               <a:rPr lang="en-US" smtClean="0"/>
-              <a:t>6/4/2025</a:t>
+              <a:t>6/25/2025</a:t>
             </a:fld>
             <a:endParaRPr lang="en-US"/>
           </a:p>
@@ -4347,7 +4347,7 @@
           <a:p>
             <a:fld id="{241EB5C9-1307-BA42-ABA2-0BC069CD8E7F}" type="datetimeFigureOut">
               <a:rPr lang="en-US" smtClean="0"/>
-              <a:t>6/4/2025</a:t>
+              <a:t>6/25/2025</a:t>
             </a:fld>
             <a:endParaRPr lang="en-US"/>
           </a:p>
@@ -4579,7 +4579,7 @@
           <a:p>
             <a:fld id="{241EB5C9-1307-BA42-ABA2-0BC069CD8E7F}" type="datetimeFigureOut">
               <a:rPr lang="en-US" smtClean="0"/>
-              <a:t>6/4/2025</a:t>
+              <a:t>6/25/2025</a:t>
             </a:fld>
             <a:endParaRPr lang="en-US"/>
           </a:p>
@@ -4946,7 +4946,7 @@
           <a:p>
             <a:fld id="{241EB5C9-1307-BA42-ABA2-0BC069CD8E7F}" type="datetimeFigureOut">
               <a:rPr lang="en-US" smtClean="0"/>
-              <a:t>6/4/2025</a:t>
+              <a:t>6/25/2025</a:t>
             </a:fld>
             <a:endParaRPr lang="en-US"/>
           </a:p>
@@ -5064,7 +5064,7 @@
           <a:p>
             <a:fld id="{241EB5C9-1307-BA42-ABA2-0BC069CD8E7F}" type="datetimeFigureOut">
               <a:rPr lang="en-US" smtClean="0"/>
-              <a:t>6/4/2025</a:t>
+              <a:t>6/25/2025</a:t>
             </a:fld>
             <a:endParaRPr lang="en-US"/>
           </a:p>
@@ -5159,7 +5159,7 @@
           <a:p>
             <a:fld id="{241EB5C9-1307-BA42-ABA2-0BC069CD8E7F}" type="datetimeFigureOut">
               <a:rPr lang="en-US" smtClean="0"/>
-              <a:t>6/4/2025</a:t>
+              <a:t>6/25/2025</a:t>
             </a:fld>
             <a:endParaRPr lang="en-US"/>
           </a:p>
@@ -5436,7 +5436,7 @@
           <a:p>
             <a:fld id="{241EB5C9-1307-BA42-ABA2-0BC069CD8E7F}" type="datetimeFigureOut">
               <a:rPr lang="en-US" smtClean="0"/>
-              <a:t>6/4/2025</a:t>
+              <a:t>6/25/2025</a:t>
             </a:fld>
             <a:endParaRPr lang="en-US"/>
           </a:p>
@@ -5693,7 +5693,7 @@
           <a:p>
             <a:fld id="{241EB5C9-1307-BA42-ABA2-0BC069CD8E7F}" type="datetimeFigureOut">
               <a:rPr lang="en-US" smtClean="0"/>
-              <a:t>6/4/2025</a:t>
+              <a:t>6/25/2025</a:t>
             </a:fld>
             <a:endParaRPr lang="en-US"/>
           </a:p>
@@ -5758,9 +5758,15 @@
 <p:sldMaster xmlns:a="http://schemas.openxmlformats.org/drawingml/2006/main" xmlns:r="http://schemas.openxmlformats.org/officeDocument/2006/relationships" xmlns:p="http://schemas.openxmlformats.org/presentationml/2006/main">
   <p:cSld>
     <p:bg>
-      <p:bgRef idx="1001">
-        <a:schemeClr val="bg1"/>
-      </p:bgRef>
+      <p:bgPr>
+        <a:solidFill>
+          <a:schemeClr val="accent5">
+            <a:lumMod val="40000"/>
+            <a:lumOff val="60000"/>
+          </a:schemeClr>
+        </a:solidFill>
+        <a:effectLst/>
+      </p:bgPr>
     </p:bg>
     <p:spTree>
       <p:nvGrpSpPr>
@@ -5906,7 +5912,7 @@
           <a:p>
             <a:fld id="{241EB5C9-1307-BA42-ABA2-0BC069CD8E7F}" type="datetimeFigureOut">
               <a:rPr lang="en-US" smtClean="0"/>
-              <a:t>6/4/2025</a:t>
+              <a:t>6/25/2025</a:t>
             </a:fld>
             <a:endParaRPr lang="en-US"/>
           </a:p>
@@ -6297,6 +6303,14 @@
 <file path=ppt/slides/slide1.xml><?xml version="1.0" encoding="utf-8"?>
 <p:sld xmlns:a="http://schemas.openxmlformats.org/drawingml/2006/main" xmlns:r="http://schemas.openxmlformats.org/officeDocument/2006/relationships" xmlns:p="http://schemas.openxmlformats.org/presentationml/2006/main">
   <p:cSld>
+    <p:bg>
+      <p:bgPr>
+        <a:solidFill>
+          <a:schemeClr val="bg1"/>
+        </a:solidFill>
+        <a:effectLst/>
+      </p:bgPr>
+    </p:bg>
     <p:spTree>
       <p:nvGrpSpPr>
         <p:cNvPr id="1" name=""/>
@@ -6311,6 +6325,195 @@
           <a:chExt cx="0" cy="0"/>
         </a:xfrm>
       </p:grpSpPr>
+      <p:sp useBgFill="1">
+        <p:nvSpPr>
+          <p:cNvPr id="8" name="Rectangle 7">
+            <a:extLst>
+              <a:ext uri="{FF2B5EF4-FFF2-40B4-BE49-F238E27FC236}">
+                <a16:creationId xmlns:a16="http://schemas.microsoft.com/office/drawing/2014/main" id="{934F1179-B481-4F9E-BCA3-AFB972070F83}"/>
+              </a:ext>
+              <a:ext uri="{C183D7F6-B498-43B3-948B-1728B52AA6E4}">
+                <adec:decorative xmlns:adec="http://schemas.microsoft.com/office/drawing/2017/decorative" val="1"/>
+              </a:ext>
+            </a:extLst>
+          </p:cNvPr>
+          <p:cNvSpPr>
+            <a:spLocks noGrp="1" noRot="1" noChangeAspect="1" noMove="1" noResize="1" noEditPoints="1" noAdjustHandles="1" noChangeArrowheads="1" noChangeShapeType="1" noTextEdit="1"/>
+          </p:cNvSpPr>
+          <p:nvPr>
+            <p:extLst>
+              <p:ext uri="{386F3935-93C4-4BCD-93E2-E3B085C9AB24}">
+                <p16:designElem xmlns:p16="http://schemas.microsoft.com/office/powerpoint/2015/main" val="1"/>
+              </p:ext>
+            </p:extLst>
+          </p:nvPr>
+        </p:nvSpPr>
+        <p:spPr>
+          <a:xfrm>
+            <a:off x="0" y="0"/>
+            <a:ext cx="9144000" cy="5143500"/>
+          </a:xfrm>
+          <a:prstGeom prst="rect">
+            <a:avLst/>
+          </a:prstGeom>
+          <a:ln>
+            <a:noFill/>
+          </a:ln>
+        </p:spPr>
+        <p:style>
+          <a:lnRef idx="2">
+            <a:schemeClr val="accent1">
+              <a:shade val="50000"/>
+            </a:schemeClr>
+          </a:lnRef>
+          <a:fillRef idx="1">
+            <a:schemeClr val="accent1"/>
+          </a:fillRef>
+          <a:effectRef idx="0">
+            <a:schemeClr val="accent1"/>
+          </a:effectRef>
+          <a:fontRef idx="minor">
+            <a:schemeClr val="lt1"/>
+          </a:fontRef>
+        </p:style>
+        <p:txBody>
+          <a:bodyPr rtlCol="0" anchor="ctr"/>
+          <a:lstStyle/>
+          <a:p>
+            <a:pPr algn="ctr"/>
+            <a:endParaRPr lang="en-US"/>
+          </a:p>
+        </p:txBody>
+      </p:sp>
+      <p:sp>
+        <p:nvSpPr>
+          <p:cNvPr id="10" name="Right Triangle 9">
+            <a:extLst>
+              <a:ext uri="{FF2B5EF4-FFF2-40B4-BE49-F238E27FC236}">
+                <a16:creationId xmlns:a16="http://schemas.microsoft.com/office/drawing/2014/main" id="{827DC2C4-B485-428A-BF4A-472D2967F47F}"/>
+              </a:ext>
+              <a:ext uri="{C183D7F6-B498-43B3-948B-1728B52AA6E4}">
+                <adec:decorative xmlns:adec="http://schemas.microsoft.com/office/drawing/2017/decorative" val="1"/>
+              </a:ext>
+            </a:extLst>
+          </p:cNvPr>
+          <p:cNvSpPr>
+            <a:spLocks noGrp="1" noRot="1" noChangeAspect="1" noMove="1" noResize="1" noEditPoints="1" noAdjustHandles="1" noChangeArrowheads="1" noChangeShapeType="1" noTextEdit="1"/>
+          </p:cNvSpPr>
+          <p:nvPr>
+            <p:extLst>
+              <p:ext uri="{386F3935-93C4-4BCD-93E2-E3B085C9AB24}">
+                <p16:designElem xmlns:p16="http://schemas.microsoft.com/office/powerpoint/2015/main" val="1"/>
+              </p:ext>
+            </p:extLst>
+          </p:nvPr>
+        </p:nvSpPr>
+        <p:spPr>
+          <a:xfrm flipH="1">
+            <a:off x="6432540" y="2501900"/>
+            <a:ext cx="2468880" cy="2400300"/>
+          </a:xfrm>
+          <a:prstGeom prst="rtTriangle">
+            <a:avLst/>
+          </a:prstGeom>
+          <a:solidFill>
+            <a:schemeClr val="accent4"/>
+          </a:solidFill>
+          <a:ln>
+            <a:noFill/>
+          </a:ln>
+        </p:spPr>
+        <p:style>
+          <a:lnRef idx="2">
+            <a:schemeClr val="accent1">
+              <a:shade val="50000"/>
+            </a:schemeClr>
+          </a:lnRef>
+          <a:fillRef idx="1">
+            <a:schemeClr val="accent1"/>
+          </a:fillRef>
+          <a:effectRef idx="0">
+            <a:schemeClr val="accent1"/>
+          </a:effectRef>
+          <a:fontRef idx="minor">
+            <a:schemeClr val="lt1"/>
+          </a:fontRef>
+        </p:style>
+        <p:txBody>
+          <a:bodyPr rtlCol="0" anchor="ctr"/>
+          <a:lstStyle/>
+          <a:p>
+            <a:pPr algn="ctr"/>
+            <a:endParaRPr lang="en-US" dirty="0"/>
+          </a:p>
+        </p:txBody>
+      </p:sp>
+      <p:sp>
+        <p:nvSpPr>
+          <p:cNvPr id="12" name="Rectangle 11">
+            <a:extLst>
+              <a:ext uri="{FF2B5EF4-FFF2-40B4-BE49-F238E27FC236}">
+                <a16:creationId xmlns:a16="http://schemas.microsoft.com/office/drawing/2014/main" id="{EE04B5EB-F158-4507-90DD-BD23620C7CC9}"/>
+              </a:ext>
+              <a:ext uri="{C183D7F6-B498-43B3-948B-1728B52AA6E4}">
+                <adec:decorative xmlns:adec="http://schemas.microsoft.com/office/drawing/2017/decorative" val="1"/>
+              </a:ext>
+            </a:extLst>
+          </p:cNvPr>
+          <p:cNvSpPr>
+            <a:spLocks noGrp="1" noRot="1" noChangeAspect="1" noMove="1" noResize="1" noEditPoints="1" noAdjustHandles="1" noChangeArrowheads="1" noChangeShapeType="1" noTextEdit="1"/>
+          </p:cNvSpPr>
+          <p:nvPr>
+            <p:extLst>
+              <p:ext uri="{386F3935-93C4-4BCD-93E2-E3B085C9AB24}">
+                <p16:designElem xmlns:p16="http://schemas.microsoft.com/office/powerpoint/2015/main" val="1"/>
+              </p:ext>
+            </p:extLst>
+          </p:nvPr>
+        </p:nvSpPr>
+        <p:spPr>
+          <a:xfrm>
+            <a:off x="481330" y="467456"/>
+            <a:ext cx="8178790" cy="4205911"/>
+          </a:xfrm>
+          <a:prstGeom prst="rect">
+            <a:avLst/>
+          </a:prstGeom>
+          <a:noFill/>
+          <a:ln w="19050">
+            <a:solidFill>
+              <a:schemeClr val="tx1">
+                <a:lumMod val="75000"/>
+                <a:lumOff val="25000"/>
+              </a:schemeClr>
+            </a:solidFill>
+          </a:ln>
+        </p:spPr>
+        <p:style>
+          <a:lnRef idx="2">
+            <a:schemeClr val="accent1">
+              <a:shade val="50000"/>
+            </a:schemeClr>
+          </a:lnRef>
+          <a:fillRef idx="1">
+            <a:schemeClr val="accent1"/>
+          </a:fillRef>
+          <a:effectRef idx="0">
+            <a:schemeClr val="accent1"/>
+          </a:effectRef>
+          <a:fontRef idx="minor">
+            <a:schemeClr val="lt1"/>
+          </a:fontRef>
+        </p:style>
+        <p:txBody>
+          <a:bodyPr rtlCol="0" anchor="ctr"/>
+          <a:lstStyle/>
+          <a:p>
+            <a:pPr algn="ctr"/>
+            <a:endParaRPr lang="en-US"/>
+          </a:p>
+        </p:txBody>
+      </p:sp>
       <p:sp>
         <p:nvSpPr>
           <p:cNvPr id="2" name="Title 1"/>
@@ -6321,15 +6524,23 @@
             <p:ph type="ctrTitle"/>
           </p:nvPr>
         </p:nvSpPr>
-        <p:spPr/>
-        <p:txBody>
-          <a:bodyPr/>
-          <a:lstStyle/>
-          <a:p>
-            <a:pPr marL="0" lvl="0" indent="0">
-              <a:buNone/>
-            </a:pPr>
-            <a:r>
+        <p:spPr>
+          <a:xfrm>
+            <a:off x="963930" y="756744"/>
+            <a:ext cx="6923558" cy="2656534"/>
+          </a:xfrm>
+        </p:spPr>
+        <p:txBody>
+          <a:bodyPr anchor="b">
+            <a:normAutofit/>
+          </a:bodyPr>
+          <a:lstStyle/>
+          <a:p>
+            <a:pPr marL="0" lvl="0" indent="0" algn="l">
+              <a:buNone/>
+            </a:pPr>
+            <a:r>
+              <a:rPr lang="en-US" sz="6000"/>
               <a:t>Ancient Mesopotamia: Cradle of Civilization</a:t>
             </a:r>
           </a:p>
@@ -6345,22 +6556,35 @@
             <p:ph type="subTitle" idx="1"/>
           </p:nvPr>
         </p:nvSpPr>
-        <p:spPr/>
-        <p:txBody>
-          <a:bodyPr/>
-          <a:lstStyle/>
-          <a:p>
-            <a:pPr marL="0" lvl="0" indent="0">
-              <a:buNone/>
-            </a:pPr>
-            <a:r>
+        <p:spPr>
+          <a:xfrm>
+            <a:off x="963930" y="3437110"/>
+            <a:ext cx="5349252" cy="984493"/>
+          </a:xfrm>
+        </p:spPr>
+        <p:txBody>
+          <a:bodyPr anchor="t">
+            <a:normAutofit/>
+          </a:bodyPr>
+          <a:lstStyle/>
+          <a:p>
+            <a:pPr marL="0" lvl="0" indent="0" algn="l">
+              <a:buNone/>
+            </a:pPr>
+            <a:r>
+              <a:rPr dirty="0"/>
               <a:t>The First Complex Societies</a:t>
             </a:r>
-            <a:br/>
-            <a:br/>
-            <a:r>
-              <a:t>Supplemental Lesson - 75 Minutes</a:t>
-            </a:r>
+            <a:br>
+              <a:rPr dirty="0"/>
+            </a:br>
+            <a:endParaRPr lang="en-US" dirty="0"/>
+          </a:p>
+          <a:p>
+            <a:pPr marL="0" lvl="0" indent="0" algn="l">
+              <a:buNone/>
+            </a:pPr>
+            <a:endParaRPr lang="en-US" dirty="0"/>
           </a:p>
         </p:txBody>
       </p:sp>
@@ -6425,14 +6649,16 @@
         </p:nvSpPr>
         <p:spPr/>
         <p:txBody>
-          <a:bodyPr/>
-          <a:lstStyle/>
-          <a:p>
-            <a:pPr marL="0" lvl="0" indent="0">
-              <a:buNone/>
-            </a:pPr>
-            <a:r>
-              <a:rPr b="1"/>
+          <a:bodyPr>
+            <a:normAutofit/>
+          </a:bodyPr>
+          <a:lstStyle/>
+          <a:p>
+            <a:pPr marL="0" lvl="0" indent="0">
+              <a:buNone/>
+            </a:pPr>
+            <a:r>
+              <a:rPr sz="3200" b="1" dirty="0"/>
               <a:t>From Pictures to Symbols:</a:t>
             </a:r>
           </a:p>
@@ -6441,31 +6667,35 @@
               <a:buNone/>
             </a:pPr>
             <a:r>
-              <a:rPr b="1"/>
+              <a:rPr sz="3200" b="1" dirty="0"/>
               <a:t>Cuneiform</a:t>
             </a:r>
             <a:r>
+              <a:rPr sz="3200" dirty="0"/>
               <a:t> - “wedge-shaped” - Started as </a:t>
             </a:r>
             <a:r>
-              <a:rPr b="1"/>
+              <a:rPr sz="3200" b="1" dirty="0"/>
               <a:t>inventory records</a:t>
             </a:r>
             <a:r>
+              <a:rPr sz="3200" dirty="0"/>
               <a:t> - Evolved to record </a:t>
             </a:r>
             <a:r>
-              <a:rPr b="1"/>
+              <a:rPr sz="3200" b="1" dirty="0"/>
               <a:t>laws, stories, contracts</a:t>
             </a:r>
             <a:r>
+              <a:rPr sz="3200" dirty="0"/>
               <a:t> - </a:t>
             </a:r>
             <a:r>
-              <a:rPr b="1"/>
+              <a:rPr sz="3200" b="1" dirty="0"/>
               <a:t>Democratized knowledge</a:t>
             </a:r>
             <a:r>
+              <a:rPr sz="3200" dirty="0"/>
               <a:t> - beyond just priests</a:t>
             </a:r>
           </a:p>
@@ -6532,48 +6762,52 @@
         </p:nvSpPr>
         <p:spPr/>
         <p:txBody>
-          <a:bodyPr/>
-          <a:lstStyle/>
-          <a:p>
-            <a:pPr marL="0" lvl="0" indent="0">
-              <a:buNone/>
-            </a:pPr>
-            <a:r>
-              <a:rPr b="1"/>
+          <a:bodyPr>
+            <a:normAutofit fontScale="92500" lnSpcReduction="10000"/>
+          </a:bodyPr>
+          <a:lstStyle/>
+          <a:p>
+            <a:pPr marL="0" lvl="0" indent="0">
+              <a:buNone/>
+            </a:pPr>
+            <a:r>
+              <a:rPr sz="3200" b="1" dirty="0"/>
               <a:t>Revolutionary Impact:</a:t>
             </a:r>
           </a:p>
           <a:p>
             <a:pPr lvl="0"/>
             <a:r>
-              <a:rPr b="1"/>
+              <a:rPr sz="3200" b="1" dirty="0"/>
               <a:t>Accurate record-keeping</a:t>
             </a:r>
             <a:r>
+              <a:rPr sz="3200" dirty="0"/>
               <a:t> across generations</a:t>
             </a:r>
           </a:p>
           <a:p>
             <a:pPr lvl="0"/>
             <a:r>
-              <a:rPr b="1"/>
+              <a:rPr sz="3200" b="1" dirty="0"/>
               <a:t>Complex laws</a:t>
             </a:r>
             <a:r>
+              <a:rPr sz="3200" dirty="0"/>
               <a:t> that everyone could know</a:t>
             </a:r>
           </a:p>
           <a:p>
             <a:pPr lvl="0"/>
             <a:r>
-              <a:rPr b="1"/>
+              <a:rPr sz="3200" b="1" dirty="0"/>
               <a:t>Literature and education</a:t>
             </a:r>
           </a:p>
           <a:p>
             <a:pPr lvl="0"/>
             <a:r>
-              <a:rPr b="1"/>
+              <a:rPr sz="3200" b="1" dirty="0"/>
               <a:t>Long-distance communication</a:t>
             </a:r>
           </a:p>
@@ -6582,10 +6816,11 @@
               <a:buNone/>
             </a:pPr>
             <a:r>
-              <a:rPr b="1"/>
+              <a:rPr sz="3200" b="1" dirty="0"/>
               <a:t>Question:</a:t>
             </a:r>
             <a:r>
+              <a:rPr sz="3200" dirty="0"/>
               <a:t> How does writing change the nature of government and society?</a:t>
             </a:r>
           </a:p>
@@ -6652,14 +6887,16 @@
         </p:nvSpPr>
         <p:spPr/>
         <p:txBody>
-          <a:bodyPr/>
-          <a:lstStyle/>
-          <a:p>
-            <a:pPr marL="0" lvl="0" indent="0">
-              <a:buNone/>
-            </a:pPr>
-            <a:r>
-              <a:rPr b="1"/>
+          <a:bodyPr>
+            <a:normAutofit/>
+          </a:bodyPr>
+          <a:lstStyle/>
+          <a:p>
+            <a:pPr marL="0" lvl="0" indent="0">
+              <a:buNone/>
+            </a:pPr>
+            <a:r>
+              <a:rPr sz="4000" b="1" dirty="0"/>
               <a:t>c. 1894-1594 BCE</a:t>
             </a:r>
           </a:p>
@@ -6668,21 +6905,23 @@
               <a:buNone/>
             </a:pPr>
             <a:r>
-              <a:rPr b="1"/>
+              <a:rPr sz="4000" b="1" dirty="0"/>
               <a:t>Amorite Conquest:</a:t>
             </a:r>
             <a:r>
+              <a:rPr sz="4000" dirty="0"/>
               <a:t> - United Mesopotamian city-states - Created first </a:t>
             </a:r>
             <a:r>
-              <a:rPr b="1"/>
+              <a:rPr sz="4000" b="1" dirty="0"/>
               <a:t>territorial empire</a:t>
             </a:r>
             <a:r>
+              <a:rPr sz="4000" dirty="0"/>
               <a:t> - Established </a:t>
             </a:r>
             <a:r>
-              <a:rPr b="1"/>
+              <a:rPr sz="4000" b="1" dirty="0"/>
               <a:t>uniform law code</a:t>
             </a:r>
           </a:p>
@@ -6749,14 +6988,16 @@
         </p:nvSpPr>
         <p:spPr/>
         <p:txBody>
-          <a:bodyPr/>
-          <a:lstStyle/>
-          <a:p>
-            <a:pPr marL="0" lvl="0" indent="0">
-              <a:buNone/>
-            </a:pPr>
-            <a:r>
-              <a:rPr b="1"/>
+          <a:bodyPr>
+            <a:normAutofit fontScale="92500"/>
+          </a:bodyPr>
+          <a:lstStyle/>
+          <a:p>
+            <a:pPr marL="0" lvl="0" indent="0">
+              <a:buNone/>
+            </a:pPr>
+            <a:r>
+              <a:rPr sz="3600" b="1" dirty="0"/>
               <a:t>“An Eye for an Eye”</a:t>
             </a:r>
           </a:p>
@@ -6765,38 +7006,43 @@
               <a:buNone/>
             </a:pPr>
             <a:r>
-              <a:rPr b="1"/>
+              <a:rPr sz="3600" b="1" dirty="0"/>
               <a:t>Key Principles:</a:t>
             </a:r>
             <a:r>
+              <a:rPr sz="3600" dirty="0"/>
               <a:t> - </a:t>
             </a:r>
             <a:r>
-              <a:rPr b="1"/>
+              <a:rPr sz="3600" b="1" dirty="0"/>
               <a:t>Written laws</a:t>
             </a:r>
             <a:r>
+              <a:rPr sz="3600" dirty="0"/>
               <a:t> - no secret justice - </a:t>
             </a:r>
             <a:r>
-              <a:rPr b="1"/>
+              <a:rPr sz="3600" b="1" dirty="0"/>
               <a:t>Proportional punishment</a:t>
             </a:r>
             <a:r>
+              <a:rPr sz="3600" dirty="0"/>
               <a:t> - fits the crime - </a:t>
             </a:r>
             <a:r>
-              <a:rPr b="1"/>
+              <a:rPr sz="3600" b="1" dirty="0"/>
               <a:t>Social hierarchy</a:t>
             </a:r>
             <a:r>
+              <a:rPr sz="3600" dirty="0"/>
               <a:t> - different punishments for different classes - </a:t>
             </a:r>
             <a:r>
-              <a:rPr b="1"/>
+              <a:rPr sz="3600" b="1" dirty="0"/>
               <a:t>Evidence-based</a:t>
             </a:r>
             <a:r>
+              <a:rPr sz="3600" dirty="0"/>
               <a:t> - accusers must prove guilt</a:t>
             </a:r>
           </a:p>
@@ -6863,17 +7109,20 @@
         </p:nvSpPr>
         <p:spPr/>
         <p:txBody>
-          <a:bodyPr/>
-          <a:lstStyle/>
-          <a:p>
-            <a:pPr marL="0" lvl="0" indent="0">
-              <a:buNone/>
-            </a:pPr>
-            <a:r>
-              <a:rPr b="1"/>
+          <a:bodyPr>
+            <a:normAutofit/>
+          </a:bodyPr>
+          <a:lstStyle/>
+          <a:p>
+            <a:pPr marL="0" lvl="0" indent="0">
+              <a:buNone/>
+            </a:pPr>
+            <a:r>
+              <a:rPr sz="2800" b="1" dirty="0"/>
               <a:t>Law 196:</a:t>
             </a:r>
             <a:r>
+              <a:rPr sz="2800" dirty="0"/>
               <a:t> “If a man destroys the eye of another man, they shall destroy his eye.”</a:t>
             </a:r>
           </a:p>
@@ -6882,10 +7131,11 @@
               <a:buNone/>
             </a:pPr>
             <a:r>
-              <a:rPr b="1"/>
+              <a:rPr sz="2800" b="1" dirty="0"/>
               <a:t>Law 8:</a:t>
             </a:r>
             <a:r>
+              <a:rPr sz="2800" dirty="0"/>
               <a:t> “If a man steals a sheep, he shall pay ten sheep.”</a:t>
             </a:r>
           </a:p>
@@ -6894,10 +7144,11 @@
               <a:buNone/>
             </a:pPr>
             <a:r>
-              <a:rPr b="1"/>
+              <a:rPr sz="2800" b="1" dirty="0"/>
               <a:t>Law 138:</a:t>
             </a:r>
             <a:r>
+              <a:rPr sz="2800" dirty="0"/>
               <a:t> “If a man wishes to divorce his wife who has not borne him children, he shall give her money equal to her marriage price.”</a:t>
             </a:r>
           </a:p>
@@ -6964,32 +7215,37 @@
         </p:nvSpPr>
         <p:spPr/>
         <p:txBody>
-          <a:bodyPr/>
-          <a:lstStyle/>
-          <a:p>
-            <a:pPr marL="0" lvl="0" indent="0">
-              <a:buNone/>
-            </a:pPr>
-            <a:r>
-              <a:rPr b="1"/>
+          <a:bodyPr>
+            <a:normAutofit lnSpcReduction="10000"/>
+          </a:bodyPr>
+          <a:lstStyle/>
+          <a:p>
+            <a:pPr marL="0" lvl="0" indent="0">
+              <a:buNone/>
+            </a:pPr>
+            <a:r>
+              <a:rPr sz="3200" b="1" dirty="0"/>
               <a:t>Critical Thinking:</a:t>
             </a:r>
           </a:p>
           <a:p>
             <a:pPr lvl="0"/>
             <a:r>
+              <a:rPr sz="3200" dirty="0"/>
               <a:t>What do these laws tell us about Babylonian society?</a:t>
             </a:r>
           </a:p>
           <a:p>
             <a:pPr lvl="0"/>
             <a:r>
+              <a:rPr sz="3200" dirty="0"/>
               <a:t>How do they compare to modern legal principles?</a:t>
             </a:r>
           </a:p>
           <a:p>
             <a:pPr lvl="0"/>
             <a:r>
+              <a:rPr sz="3200" dirty="0"/>
               <a:t>What assumptions about justice do they reveal?</a:t>
             </a:r>
           </a:p>
@@ -7056,14 +7312,16 @@
         </p:nvSpPr>
         <p:spPr/>
         <p:txBody>
-          <a:bodyPr/>
-          <a:lstStyle/>
-          <a:p>
-            <a:pPr marL="0" lvl="0" indent="0">
-              <a:buNone/>
-            </a:pPr>
-            <a:r>
-              <a:rPr b="1"/>
+          <a:bodyPr>
+            <a:normAutofit/>
+          </a:bodyPr>
+          <a:lstStyle/>
+          <a:p>
+            <a:pPr marL="0" lvl="0" indent="0">
+              <a:buNone/>
+            </a:pPr>
+            <a:r>
+              <a:rPr sz="3600" b="1" dirty="0"/>
               <a:t>c. 1365-609 BCE</a:t>
             </a:r>
           </a:p>
@@ -7072,35 +7330,39 @@
               <a:buNone/>
             </a:pPr>
             <a:r>
-              <a:rPr b="1"/>
+              <a:rPr sz="3600" b="1" dirty="0"/>
               <a:t>Military Innovation:</a:t>
             </a:r>
             <a:r>
+              <a:rPr sz="3600" dirty="0"/>
               <a:t> - </a:t>
             </a:r>
             <a:r>
-              <a:rPr b="1"/>
+              <a:rPr sz="3600" b="1" dirty="0"/>
               <a:t>Iron weapons</a:t>
             </a:r>
             <a:r>
+              <a:rPr sz="3600" dirty="0"/>
               <a:t> and armor - </a:t>
             </a:r>
             <a:r>
-              <a:rPr b="1"/>
+              <a:rPr sz="3600" b="1" dirty="0"/>
               <a:t>Siege warfare</a:t>
             </a:r>
             <a:r>
+              <a:rPr sz="3600" dirty="0"/>
               <a:t> techniques - </a:t>
             </a:r>
             <a:r>
-              <a:rPr b="1"/>
+              <a:rPr sz="3600" b="1" dirty="0"/>
               <a:t>Professional standing army</a:t>
             </a:r>
             <a:r>
+              <a:rPr sz="3600" dirty="0"/>
               <a:t> - </a:t>
             </a:r>
             <a:r>
-              <a:rPr b="1"/>
+              <a:rPr sz="3600" b="1" dirty="0"/>
               <a:t>Psychological warfare</a:t>
             </a:r>
           </a:p>
@@ -7167,54 +7429,60 @@
         </p:nvSpPr>
         <p:spPr/>
         <p:txBody>
-          <a:bodyPr/>
-          <a:lstStyle/>
-          <a:p>
-            <a:pPr marL="0" lvl="0" indent="0">
-              <a:buNone/>
-            </a:pPr>
-            <a:r>
-              <a:rPr b="1"/>
+          <a:bodyPr>
+            <a:normAutofit/>
+          </a:bodyPr>
+          <a:lstStyle/>
+          <a:p>
+            <a:pPr marL="0" lvl="0" indent="0">
+              <a:buNone/>
+            </a:pPr>
+            <a:r>
+              <a:rPr sz="3200" b="1" dirty="0"/>
               <a:t>Governing a Vast Empire:</a:t>
             </a:r>
           </a:p>
           <a:p>
             <a:pPr lvl="0"/>
             <a:r>
-              <a:rPr b="1"/>
+              <a:rPr sz="3200" b="1" dirty="0"/>
               <a:t>Efficient communication</a:t>
             </a:r>
             <a:r>
+              <a:rPr sz="3200" dirty="0"/>
               <a:t> - royal road system</a:t>
             </a:r>
           </a:p>
           <a:p>
             <a:pPr lvl="0"/>
             <a:r>
-              <a:rPr b="1"/>
+              <a:rPr sz="3200" b="1" dirty="0"/>
               <a:t>Local governors</a:t>
             </a:r>
             <a:r>
+              <a:rPr sz="3200" dirty="0"/>
               <a:t> - reporting to central authority</a:t>
             </a:r>
           </a:p>
           <a:p>
             <a:pPr lvl="0"/>
             <a:r>
-              <a:rPr b="1"/>
+              <a:rPr sz="3200" b="1" dirty="0"/>
               <a:t>Deportation policy</a:t>
             </a:r>
             <a:r>
+              <a:rPr sz="3200" dirty="0"/>
               <a:t> - preventing rebellions</a:t>
             </a:r>
           </a:p>
           <a:p>
             <a:pPr lvl="0"/>
             <a:r>
-              <a:rPr b="1"/>
+              <a:rPr sz="3200" b="1" dirty="0"/>
               <a:t>Cultural tolerance</a:t>
             </a:r>
             <a:r>
+              <a:rPr sz="3200" dirty="0"/>
               <a:t> - when politically useful</a:t>
             </a:r>
           </a:p>
@@ -7281,54 +7549,60 @@
         </p:nvSpPr>
         <p:spPr/>
         <p:txBody>
-          <a:bodyPr/>
-          <a:lstStyle/>
-          <a:p>
-            <a:pPr marL="0" lvl="0" indent="0">
-              <a:buNone/>
-            </a:pPr>
-            <a:r>
-              <a:rPr b="1"/>
+          <a:bodyPr>
+            <a:normAutofit fontScale="92500" lnSpcReduction="20000"/>
+          </a:bodyPr>
+          <a:lstStyle/>
+          <a:p>
+            <a:pPr marL="0" lvl="0" indent="0">
+              <a:buNone/>
+            </a:pPr>
+            <a:r>
+              <a:rPr sz="3200" b="1" dirty="0"/>
               <a:t>Contributions:</a:t>
             </a:r>
           </a:p>
           <a:p>
             <a:pPr lvl="0"/>
             <a:r>
-              <a:rPr b="1"/>
+              <a:rPr sz="3200" b="1" dirty="0"/>
               <a:t>Library of Ashurbanipal</a:t>
             </a:r>
             <a:r>
+              <a:rPr sz="3200" dirty="0"/>
               <a:t> - preserving earlier literature</a:t>
             </a:r>
           </a:p>
           <a:p>
             <a:pPr lvl="0"/>
             <a:r>
-              <a:rPr b="1"/>
+              <a:rPr sz="3200" b="1" dirty="0"/>
               <a:t>Advanced engineering</a:t>
             </a:r>
             <a:r>
+              <a:rPr sz="3200" dirty="0"/>
               <a:t> - aqueducts and irrigation</a:t>
             </a:r>
           </a:p>
           <a:p>
             <a:pPr lvl="0"/>
             <a:r>
-              <a:rPr b="1"/>
+              <a:rPr sz="3200" b="1" dirty="0"/>
               <a:t>Artistic excellence</a:t>
             </a:r>
             <a:r>
+              <a:rPr sz="3200" dirty="0"/>
               <a:t> - palace reliefs and sculptures</a:t>
             </a:r>
           </a:p>
           <a:p>
             <a:pPr lvl="0"/>
             <a:r>
-              <a:rPr b="1"/>
+              <a:rPr sz="3200" b="1" dirty="0"/>
               <a:t>Administrative models</a:t>
             </a:r>
             <a:r>
+              <a:rPr sz="3200" dirty="0"/>
               <a:t> - later adopted by Persians</a:t>
             </a:r>
           </a:p>
@@ -7452,6 +7726,14 @@
 <file path=ppt/slides/slide2.xml><?xml version="1.0" encoding="utf-8"?>
 <p:sld xmlns:a="http://schemas.openxmlformats.org/drawingml/2006/main" xmlns:r="http://schemas.openxmlformats.org/officeDocument/2006/relationships" xmlns:p="http://schemas.openxmlformats.org/presentationml/2006/main">
   <p:cSld>
+    <p:bg>
+      <p:bgPr>
+        <a:solidFill>
+          <a:schemeClr val="bg1"/>
+        </a:solidFill>
+        <a:effectLst/>
+      </p:bgPr>
+    </p:bg>
     <p:spTree>
       <p:nvGrpSpPr>
         <p:cNvPr id="1" name=""/>
@@ -7466,6 +7748,382 @@
           <a:chExt cx="0" cy="0"/>
         </a:xfrm>
       </p:grpSpPr>
+      <p:sp useBgFill="1">
+        <p:nvSpPr>
+          <p:cNvPr id="8" name="Rectangle 7">
+            <a:extLst>
+              <a:ext uri="{FF2B5EF4-FFF2-40B4-BE49-F238E27FC236}">
+                <a16:creationId xmlns:a16="http://schemas.microsoft.com/office/drawing/2014/main" id="{081EA652-8C6A-4E69-BEB9-170809474553}"/>
+              </a:ext>
+              <a:ext uri="{C183D7F6-B498-43B3-948B-1728B52AA6E4}">
+                <adec:decorative xmlns:adec="http://schemas.microsoft.com/office/drawing/2017/decorative" val="1"/>
+              </a:ext>
+            </a:extLst>
+          </p:cNvPr>
+          <p:cNvSpPr>
+            <a:spLocks noGrp="1" noRot="1" noChangeAspect="1" noMove="1" noResize="1" noEditPoints="1" noAdjustHandles="1" noChangeArrowheads="1" noChangeShapeType="1" noTextEdit="1"/>
+          </p:cNvSpPr>
+          <p:nvPr>
+            <p:extLst>
+              <p:ext uri="{386F3935-93C4-4BCD-93E2-E3B085C9AB24}">
+                <p16:designElem xmlns:p16="http://schemas.microsoft.com/office/powerpoint/2015/main" val="1"/>
+              </p:ext>
+            </p:extLst>
+          </p:nvPr>
+        </p:nvSpPr>
+        <p:spPr>
+          <a:xfrm>
+            <a:off x="0" y="0"/>
+            <a:ext cx="9144000" cy="5143500"/>
+          </a:xfrm>
+          <a:prstGeom prst="rect">
+            <a:avLst/>
+          </a:prstGeom>
+          <a:ln>
+            <a:noFill/>
+          </a:ln>
+        </p:spPr>
+        <p:style>
+          <a:lnRef idx="2">
+            <a:schemeClr val="accent1">
+              <a:shade val="50000"/>
+            </a:schemeClr>
+          </a:lnRef>
+          <a:fillRef idx="1">
+            <a:schemeClr val="accent1"/>
+          </a:fillRef>
+          <a:effectRef idx="0">
+            <a:schemeClr val="accent1"/>
+          </a:effectRef>
+          <a:fontRef idx="minor">
+            <a:schemeClr val="lt1"/>
+          </a:fontRef>
+        </p:style>
+        <p:txBody>
+          <a:bodyPr rtlCol="0" anchor="ctr"/>
+          <a:lstStyle/>
+          <a:p>
+            <a:pPr algn="ctr"/>
+            <a:endParaRPr lang="en-US"/>
+          </a:p>
+        </p:txBody>
+      </p:sp>
+      <p:sp>
+        <p:nvSpPr>
+          <p:cNvPr id="10" name="Freeform: Shape 9">
+            <a:extLst>
+              <a:ext uri="{FF2B5EF4-FFF2-40B4-BE49-F238E27FC236}">
+                <a16:creationId xmlns:a16="http://schemas.microsoft.com/office/drawing/2014/main" id="{A4026A73-1F7F-49F2-B319-8CA3B3D53269}"/>
+              </a:ext>
+              <a:ext uri="{C183D7F6-B498-43B3-948B-1728B52AA6E4}">
+                <adec:decorative xmlns:adec="http://schemas.microsoft.com/office/drawing/2017/decorative" val="1"/>
+              </a:ext>
+            </a:extLst>
+          </p:cNvPr>
+          <p:cNvSpPr>
+            <a:spLocks noGrp="1" noRot="1" noChangeAspect="1" noMove="1" noResize="1" noEditPoints="1" noAdjustHandles="1" noChangeArrowheads="1" noChangeShapeType="1" noTextEdit="1"/>
+          </p:cNvSpPr>
+          <p:nvPr>
+            <p:extLst>
+              <p:ext uri="{386F3935-93C4-4BCD-93E2-E3B085C9AB24}">
+                <p16:designElem xmlns:p16="http://schemas.microsoft.com/office/powerpoint/2015/main" val="1"/>
+              </p:ext>
+            </p:extLst>
+          </p:nvPr>
+        </p:nvSpPr>
+        <p:spPr>
+          <a:xfrm>
+            <a:off x="241299" y="241299"/>
+            <a:ext cx="8660121" cy="4660901"/>
+          </a:xfrm>
+          <a:custGeom>
+            <a:avLst/>
+            <a:gdLst>
+              <a:gd name="connsiteX0" fmla="*/ 0 w 11546828"/>
+              <a:gd name="connsiteY0" fmla="*/ 0 h 6214534"/>
+              <a:gd name="connsiteX1" fmla="*/ 7965430 w 11546828"/>
+              <a:gd name="connsiteY1" fmla="*/ 0 h 6214534"/>
+              <a:gd name="connsiteX2" fmla="*/ 7965430 w 11546828"/>
+              <a:gd name="connsiteY2" fmla="*/ 1786 h 6214534"/>
+              <a:gd name="connsiteX3" fmla="*/ 11546828 w 11546828"/>
+              <a:gd name="connsiteY3" fmla="*/ 1786 h 6214534"/>
+              <a:gd name="connsiteX4" fmla="*/ 11546828 w 11546828"/>
+              <a:gd name="connsiteY4" fmla="*/ 2866740 h 6214534"/>
+              <a:gd name="connsiteX5" fmla="*/ 11225095 w 11546828"/>
+              <a:gd name="connsiteY5" fmla="*/ 3179536 h 6214534"/>
+              <a:gd name="connsiteX6" fmla="*/ 11225095 w 11546828"/>
+              <a:gd name="connsiteY6" fmla="*/ 301542 h 6214534"/>
+              <a:gd name="connsiteX7" fmla="*/ 320042 w 11546828"/>
+              <a:gd name="connsiteY7" fmla="*/ 301542 h 6214534"/>
+              <a:gd name="connsiteX8" fmla="*/ 320042 w 11546828"/>
+              <a:gd name="connsiteY8" fmla="*/ 5909424 h 6214534"/>
+              <a:gd name="connsiteX9" fmla="*/ 8417210 w 11546828"/>
+              <a:gd name="connsiteY9" fmla="*/ 5909424 h 6214534"/>
+              <a:gd name="connsiteX10" fmla="*/ 8103383 w 11546828"/>
+              <a:gd name="connsiteY10" fmla="*/ 6214534 h 6214534"/>
+              <a:gd name="connsiteX11" fmla="*/ 7222929 w 11546828"/>
+              <a:gd name="connsiteY11" fmla="*/ 6214534 h 6214534"/>
+              <a:gd name="connsiteX12" fmla="*/ 7222929 w 11546828"/>
+              <a:gd name="connsiteY12" fmla="*/ 6212748 h 6214534"/>
+              <a:gd name="connsiteX13" fmla="*/ 0 w 11546828"/>
+              <a:gd name="connsiteY13" fmla="*/ 6212748 h 6214534"/>
+            </a:gdLst>
+            <a:ahLst/>
+            <a:cxnLst>
+              <a:cxn ang="0">
+                <a:pos x="connsiteX0" y="connsiteY0"/>
+              </a:cxn>
+              <a:cxn ang="0">
+                <a:pos x="connsiteX1" y="connsiteY1"/>
+              </a:cxn>
+              <a:cxn ang="0">
+                <a:pos x="connsiteX2" y="connsiteY2"/>
+              </a:cxn>
+              <a:cxn ang="0">
+                <a:pos x="connsiteX3" y="connsiteY3"/>
+              </a:cxn>
+              <a:cxn ang="0">
+                <a:pos x="connsiteX4" y="connsiteY4"/>
+              </a:cxn>
+              <a:cxn ang="0">
+                <a:pos x="connsiteX5" y="connsiteY5"/>
+              </a:cxn>
+              <a:cxn ang="0">
+                <a:pos x="connsiteX6" y="connsiteY6"/>
+              </a:cxn>
+              <a:cxn ang="0">
+                <a:pos x="connsiteX7" y="connsiteY7"/>
+              </a:cxn>
+              <a:cxn ang="0">
+                <a:pos x="connsiteX8" y="connsiteY8"/>
+              </a:cxn>
+              <a:cxn ang="0">
+                <a:pos x="connsiteX9" y="connsiteY9"/>
+              </a:cxn>
+              <a:cxn ang="0">
+                <a:pos x="connsiteX10" y="connsiteY10"/>
+              </a:cxn>
+              <a:cxn ang="0">
+                <a:pos x="connsiteX11" y="connsiteY11"/>
+              </a:cxn>
+              <a:cxn ang="0">
+                <a:pos x="connsiteX12" y="connsiteY12"/>
+              </a:cxn>
+              <a:cxn ang="0">
+                <a:pos x="connsiteX13" y="connsiteY13"/>
+              </a:cxn>
+            </a:cxnLst>
+            <a:rect l="l" t="t" r="r" b="b"/>
+            <a:pathLst>
+              <a:path w="11546828" h="6214534">
+                <a:moveTo>
+                  <a:pt x="0" y="0"/>
+                </a:moveTo>
+                <a:lnTo>
+                  <a:pt x="7965430" y="0"/>
+                </a:lnTo>
+                <a:lnTo>
+                  <a:pt x="7965430" y="1786"/>
+                </a:lnTo>
+                <a:lnTo>
+                  <a:pt x="11546828" y="1786"/>
+                </a:lnTo>
+                <a:lnTo>
+                  <a:pt x="11546828" y="2866740"/>
+                </a:lnTo>
+                <a:lnTo>
+                  <a:pt x="11225095" y="3179536"/>
+                </a:lnTo>
+                <a:lnTo>
+                  <a:pt x="11225095" y="301542"/>
+                </a:lnTo>
+                <a:lnTo>
+                  <a:pt x="320042" y="301542"/>
+                </a:lnTo>
+                <a:lnTo>
+                  <a:pt x="320042" y="5909424"/>
+                </a:lnTo>
+                <a:lnTo>
+                  <a:pt x="8417210" y="5909424"/>
+                </a:lnTo>
+                <a:lnTo>
+                  <a:pt x="8103383" y="6214534"/>
+                </a:lnTo>
+                <a:lnTo>
+                  <a:pt x="7222929" y="6214534"/>
+                </a:lnTo>
+                <a:lnTo>
+                  <a:pt x="7222929" y="6212748"/>
+                </a:lnTo>
+                <a:lnTo>
+                  <a:pt x="0" y="6212748"/>
+                </a:lnTo>
+                <a:close/>
+              </a:path>
+            </a:pathLst>
+          </a:custGeom>
+          <a:solidFill>
+            <a:schemeClr val="tx1">
+              <a:lumMod val="50000"/>
+              <a:lumOff val="50000"/>
+              <a:alpha val="25000"/>
+            </a:schemeClr>
+          </a:solidFill>
+          <a:ln>
+            <a:noFill/>
+          </a:ln>
+        </p:spPr>
+        <p:style>
+          <a:lnRef idx="2">
+            <a:schemeClr val="accent1">
+              <a:shade val="50000"/>
+            </a:schemeClr>
+          </a:lnRef>
+          <a:fillRef idx="1">
+            <a:schemeClr val="accent1"/>
+          </a:fillRef>
+          <a:effectRef idx="0">
+            <a:schemeClr val="accent1"/>
+          </a:effectRef>
+          <a:fontRef idx="minor">
+            <a:schemeClr val="lt1"/>
+          </a:fontRef>
+        </p:style>
+        <p:txBody>
+          <a:bodyPr wrap="square" rtlCol="0" anchor="ctr">
+            <a:noAutofit/>
+          </a:bodyPr>
+          <a:lstStyle/>
+          <a:p>
+            <a:pPr algn="ctr"/>
+            <a:endParaRPr lang="en-US"/>
+          </a:p>
+        </p:txBody>
+      </p:sp>
+      <p:sp>
+        <p:nvSpPr>
+          <p:cNvPr id="12" name="Right Triangle 11">
+            <a:extLst>
+              <a:ext uri="{FF2B5EF4-FFF2-40B4-BE49-F238E27FC236}">
+                <a16:creationId xmlns:a16="http://schemas.microsoft.com/office/drawing/2014/main" id="{5298780A-33B9-4EA2-8F67-DE68AD62841B}"/>
+              </a:ext>
+              <a:ext uri="{C183D7F6-B498-43B3-948B-1728B52AA6E4}">
+                <adec:decorative xmlns:adec="http://schemas.microsoft.com/office/drawing/2017/decorative" val="1"/>
+              </a:ext>
+            </a:extLst>
+          </p:cNvPr>
+          <p:cNvSpPr>
+            <a:spLocks noGrp="1" noRot="1" noChangeAspect="1" noMove="1" noResize="1" noEditPoints="1" noAdjustHandles="1" noChangeArrowheads="1" noChangeShapeType="1" noTextEdit="1"/>
+          </p:cNvSpPr>
+          <p:nvPr>
+            <p:extLst>
+              <p:ext uri="{386F3935-93C4-4BCD-93E2-E3B085C9AB24}">
+                <p16:designElem xmlns:p16="http://schemas.microsoft.com/office/powerpoint/2015/main" val="1"/>
+              </p:ext>
+            </p:extLst>
+          </p:nvPr>
+        </p:nvSpPr>
+        <p:spPr>
+          <a:xfrm flipH="1">
+            <a:off x="6432540" y="2501900"/>
+            <a:ext cx="2468880" cy="2400300"/>
+          </a:xfrm>
+          <a:prstGeom prst="rtTriangle">
+            <a:avLst/>
+          </a:prstGeom>
+          <a:solidFill>
+            <a:schemeClr val="accent4"/>
+          </a:solidFill>
+          <a:ln>
+            <a:noFill/>
+          </a:ln>
+        </p:spPr>
+        <p:style>
+          <a:lnRef idx="2">
+            <a:schemeClr val="accent1">
+              <a:shade val="50000"/>
+            </a:schemeClr>
+          </a:lnRef>
+          <a:fillRef idx="1">
+            <a:schemeClr val="accent1"/>
+          </a:fillRef>
+          <a:effectRef idx="0">
+            <a:schemeClr val="accent1"/>
+          </a:effectRef>
+          <a:fontRef idx="minor">
+            <a:schemeClr val="lt1"/>
+          </a:fontRef>
+        </p:style>
+        <p:txBody>
+          <a:bodyPr rtlCol="0" anchor="ctr"/>
+          <a:lstStyle/>
+          <a:p>
+            <a:pPr algn="ctr"/>
+            <a:endParaRPr lang="en-US" dirty="0"/>
+          </a:p>
+        </p:txBody>
+      </p:sp>
+      <p:sp>
+        <p:nvSpPr>
+          <p:cNvPr id="14" name="Rectangle 13">
+            <a:extLst>
+              <a:ext uri="{FF2B5EF4-FFF2-40B4-BE49-F238E27FC236}">
+                <a16:creationId xmlns:a16="http://schemas.microsoft.com/office/drawing/2014/main" id="{7F488E8B-4E1E-4402-8935-D4E6C02615C7}"/>
+              </a:ext>
+              <a:ext uri="{C183D7F6-B498-43B3-948B-1728B52AA6E4}">
+                <adec:decorative xmlns:adec="http://schemas.microsoft.com/office/drawing/2017/decorative" val="1"/>
+              </a:ext>
+            </a:extLst>
+          </p:cNvPr>
+          <p:cNvSpPr>
+            <a:spLocks noGrp="1" noRot="1" noChangeAspect="1" noMove="1" noResize="1" noEditPoints="1" noAdjustHandles="1" noChangeArrowheads="1" noChangeShapeType="1" noTextEdit="1"/>
+          </p:cNvSpPr>
+          <p:nvPr>
+            <p:extLst>
+              <p:ext uri="{386F3935-93C4-4BCD-93E2-E3B085C9AB24}">
+                <p16:designElem xmlns:p16="http://schemas.microsoft.com/office/powerpoint/2015/main" val="1"/>
+              </p:ext>
+            </p:extLst>
+          </p:nvPr>
+        </p:nvSpPr>
+        <p:spPr>
+          <a:xfrm>
+            <a:off x="481330" y="467456"/>
+            <a:ext cx="8178790" cy="4205911"/>
+          </a:xfrm>
+          <a:prstGeom prst="rect">
+            <a:avLst/>
+          </a:prstGeom>
+          <a:noFill/>
+          <a:ln w="19050">
+            <a:noFill/>
+          </a:ln>
+        </p:spPr>
+        <p:style>
+          <a:lnRef idx="2">
+            <a:schemeClr val="accent1">
+              <a:shade val="50000"/>
+            </a:schemeClr>
+          </a:lnRef>
+          <a:fillRef idx="1">
+            <a:schemeClr val="accent1"/>
+          </a:fillRef>
+          <a:effectRef idx="0">
+            <a:schemeClr val="accent1"/>
+          </a:effectRef>
+          <a:fontRef idx="minor">
+            <a:schemeClr val="lt1"/>
+          </a:fontRef>
+        </p:style>
+        <p:txBody>
+          <a:bodyPr rtlCol="0" anchor="ctr"/>
+          <a:lstStyle/>
+          <a:p>
+            <a:pPr algn="ctr"/>
+            <a:endParaRPr lang="en-US"/>
+          </a:p>
+        </p:txBody>
+      </p:sp>
       <p:sp>
         <p:nvSpPr>
           <p:cNvPr id="2" name="Title 1"/>
@@ -7476,20 +8134,83 @@
             <p:ph type="title"/>
           </p:nvPr>
         </p:nvSpPr>
-        <p:spPr/>
-        <p:txBody>
-          <a:bodyPr/>
-          <a:lstStyle/>
-          <a:p>
-            <a:pPr marL="0" lvl="0" indent="0">
-              <a:buNone/>
-            </a:pPr>
-            <a:r>
+        <p:spPr>
+          <a:xfrm>
+            <a:off x="755175" y="891477"/>
+            <a:ext cx="2356072" cy="3360545"/>
+          </a:xfrm>
+        </p:spPr>
+        <p:txBody>
+          <a:bodyPr>
+            <a:normAutofit/>
+          </a:bodyPr>
+          <a:lstStyle/>
+          <a:p>
+            <a:pPr marL="0" lvl="0" indent="0" algn="r">
+              <a:buNone/>
+            </a:pPr>
+            <a:r>
+              <a:rPr lang="en-US" sz="2800"/>
               <a:t>Why Mesopotamia First?</a:t>
             </a:r>
           </a:p>
         </p:txBody>
       </p:sp>
+      <p:cxnSp>
+        <p:nvCxnSpPr>
+          <p:cNvPr id="16" name="Straight Connector 15">
+            <a:extLst>
+              <a:ext uri="{FF2B5EF4-FFF2-40B4-BE49-F238E27FC236}">
+                <a16:creationId xmlns:a16="http://schemas.microsoft.com/office/drawing/2014/main" id="{23AAC9B5-8015-485C-ACF9-A750390E9A56}"/>
+              </a:ext>
+              <a:ext uri="{C183D7F6-B498-43B3-948B-1728B52AA6E4}">
+                <adec:decorative xmlns:adec="http://schemas.microsoft.com/office/drawing/2017/decorative" val="1"/>
+              </a:ext>
+            </a:extLst>
+          </p:cNvPr>
+          <p:cNvCxnSpPr>
+            <a:cxnSpLocks noGrp="1" noRot="1" noChangeAspect="1" noMove="1" noResize="1" noEditPoints="1" noAdjustHandles="1" noChangeArrowheads="1" noChangeShapeType="1"/>
+          </p:cNvCxnSpPr>
+          <p:nvPr>
+            <p:extLst>
+              <p:ext uri="{386F3935-93C4-4BCD-93E2-E3B085C9AB24}">
+                <p16:designElem xmlns:p16="http://schemas.microsoft.com/office/powerpoint/2015/main" val="1"/>
+              </p:ext>
+            </p:extLst>
+          </p:nvPr>
+        </p:nvCxnSpPr>
+        <p:spPr>
+          <a:xfrm>
+            <a:off x="3490722" y="1389647"/>
+            <a:ext cx="0" cy="2427371"/>
+          </a:xfrm>
+          <a:prstGeom prst="line">
+            <a:avLst/>
+          </a:prstGeom>
+          <a:ln w="19050" cap="sq">
+            <a:solidFill>
+              <a:schemeClr val="tx1">
+                <a:lumMod val="75000"/>
+                <a:lumOff val="25000"/>
+              </a:schemeClr>
+            </a:solidFill>
+          </a:ln>
+        </p:spPr>
+        <p:style>
+          <a:lnRef idx="1">
+            <a:schemeClr val="accent1"/>
+          </a:lnRef>
+          <a:fillRef idx="0">
+            <a:schemeClr val="accent1"/>
+          </a:fillRef>
+          <a:effectRef idx="0">
+            <a:schemeClr val="accent1"/>
+          </a:effectRef>
+          <a:fontRef idx="minor">
+            <a:schemeClr val="tx1"/>
+          </a:fontRef>
+        </p:style>
+      </p:cxnSp>
       <p:sp>
         <p:nvSpPr>
           <p:cNvPr id="3" name="Content Placeholder 2"/>
@@ -7500,16 +8221,23 @@
             <p:ph idx="1"/>
           </p:nvPr>
         </p:nvSpPr>
-        <p:spPr/>
-        <p:txBody>
-          <a:bodyPr/>
-          <a:lstStyle/>
-          <a:p>
-            <a:pPr marL="0" lvl="0" indent="0">
-              <a:buNone/>
-            </a:pPr>
-            <a:r>
-              <a:rPr b="1"/>
+        <p:spPr>
+          <a:xfrm>
+            <a:off x="3854196" y="1004046"/>
+            <a:ext cx="3596688" cy="3135407"/>
+          </a:xfrm>
+        </p:spPr>
+        <p:txBody>
+          <a:bodyPr anchor="ctr">
+            <a:normAutofit/>
+          </a:bodyPr>
+          <a:lstStyle/>
+          <a:p>
+            <a:pPr marL="0" lvl="0" indent="0">
+              <a:buNone/>
+            </a:pPr>
+            <a:r>
+              <a:rPr lang="en-US" sz="1800" b="1"/>
               <a:t>The Big Question:</a:t>
             </a:r>
           </a:p>
@@ -7518,6 +8246,7 @@
               <a:buNone/>
             </a:pPr>
             <a:r>
+              <a:rPr lang="en-US" sz="1800"/>
               <a:t>Why did the world’s first complex civilizations emerge here, in this specific place, at this specific time?</a:t>
             </a:r>
           </a:p>
@@ -8643,6 +9372,14 @@
 <file path=ppt/slides/slide3.xml><?xml version="1.0" encoding="utf-8"?>
 <p:sld xmlns:a="http://schemas.openxmlformats.org/drawingml/2006/main" xmlns:r="http://schemas.openxmlformats.org/officeDocument/2006/relationships" xmlns:p="http://schemas.openxmlformats.org/presentationml/2006/main">
   <p:cSld>
+    <p:bg>
+      <p:bgPr>
+        <a:solidFill>
+          <a:schemeClr val="bg1"/>
+        </a:solidFill>
+        <a:effectLst/>
+      </p:bgPr>
+    </p:bg>
     <p:spTree>
       <p:nvGrpSpPr>
         <p:cNvPr id="1" name=""/>
@@ -8657,6 +9394,195 @@
           <a:chExt cx="0" cy="0"/>
         </a:xfrm>
       </p:grpSpPr>
+      <p:sp useBgFill="1">
+        <p:nvSpPr>
+          <p:cNvPr id="8" name="Rectangle 7">
+            <a:extLst>
+              <a:ext uri="{FF2B5EF4-FFF2-40B4-BE49-F238E27FC236}">
+                <a16:creationId xmlns:a16="http://schemas.microsoft.com/office/drawing/2014/main" id="{081EA652-8C6A-4E69-BEB9-170809474553}"/>
+              </a:ext>
+              <a:ext uri="{C183D7F6-B498-43B3-948B-1728B52AA6E4}">
+                <adec:decorative xmlns:adec="http://schemas.microsoft.com/office/drawing/2017/decorative" val="1"/>
+              </a:ext>
+            </a:extLst>
+          </p:cNvPr>
+          <p:cNvSpPr>
+            <a:spLocks noGrp="1" noRot="1" noChangeAspect="1" noMove="1" noResize="1" noEditPoints="1" noAdjustHandles="1" noChangeArrowheads="1" noChangeShapeType="1" noTextEdit="1"/>
+          </p:cNvSpPr>
+          <p:nvPr>
+            <p:extLst>
+              <p:ext uri="{386F3935-93C4-4BCD-93E2-E3B085C9AB24}">
+                <p16:designElem xmlns:p16="http://schemas.microsoft.com/office/powerpoint/2015/main" val="1"/>
+              </p:ext>
+            </p:extLst>
+          </p:nvPr>
+        </p:nvSpPr>
+        <p:spPr>
+          <a:xfrm>
+            <a:off x="0" y="0"/>
+            <a:ext cx="9144000" cy="5143500"/>
+          </a:xfrm>
+          <a:prstGeom prst="rect">
+            <a:avLst/>
+          </a:prstGeom>
+          <a:ln>
+            <a:noFill/>
+          </a:ln>
+        </p:spPr>
+        <p:style>
+          <a:lnRef idx="2">
+            <a:schemeClr val="accent1">
+              <a:shade val="50000"/>
+            </a:schemeClr>
+          </a:lnRef>
+          <a:fillRef idx="1">
+            <a:schemeClr val="accent1"/>
+          </a:fillRef>
+          <a:effectRef idx="0">
+            <a:schemeClr val="accent1"/>
+          </a:effectRef>
+          <a:fontRef idx="minor">
+            <a:schemeClr val="lt1"/>
+          </a:fontRef>
+        </p:style>
+        <p:txBody>
+          <a:bodyPr rtlCol="0" anchor="ctr"/>
+          <a:lstStyle/>
+          <a:p>
+            <a:pPr algn="ctr"/>
+            <a:endParaRPr lang="en-US"/>
+          </a:p>
+        </p:txBody>
+      </p:sp>
+      <p:sp>
+        <p:nvSpPr>
+          <p:cNvPr id="10" name="Right Triangle 9">
+            <a:extLst>
+              <a:ext uri="{FF2B5EF4-FFF2-40B4-BE49-F238E27FC236}">
+                <a16:creationId xmlns:a16="http://schemas.microsoft.com/office/drawing/2014/main" id="{5298780A-33B9-4EA2-8F67-DE68AD62841B}"/>
+              </a:ext>
+              <a:ext uri="{C183D7F6-B498-43B3-948B-1728B52AA6E4}">
+                <adec:decorative xmlns:adec="http://schemas.microsoft.com/office/drawing/2017/decorative" val="1"/>
+              </a:ext>
+            </a:extLst>
+          </p:cNvPr>
+          <p:cNvSpPr>
+            <a:spLocks noGrp="1" noRot="1" noChangeAspect="1" noMove="1" noResize="1" noEditPoints="1" noAdjustHandles="1" noChangeArrowheads="1" noChangeShapeType="1" noTextEdit="1"/>
+          </p:cNvSpPr>
+          <p:nvPr>
+            <p:extLst>
+              <p:ext uri="{386F3935-93C4-4BCD-93E2-E3B085C9AB24}">
+                <p16:designElem xmlns:p16="http://schemas.microsoft.com/office/powerpoint/2015/main" val="1"/>
+              </p:ext>
+            </p:extLst>
+          </p:nvPr>
+        </p:nvSpPr>
+        <p:spPr>
+          <a:xfrm flipH="1">
+            <a:off x="6432540" y="2501900"/>
+            <a:ext cx="2468880" cy="2400300"/>
+          </a:xfrm>
+          <a:prstGeom prst="rtTriangle">
+            <a:avLst/>
+          </a:prstGeom>
+          <a:solidFill>
+            <a:schemeClr val="accent4"/>
+          </a:solidFill>
+          <a:ln>
+            <a:noFill/>
+          </a:ln>
+        </p:spPr>
+        <p:style>
+          <a:lnRef idx="2">
+            <a:schemeClr val="accent1">
+              <a:shade val="50000"/>
+            </a:schemeClr>
+          </a:lnRef>
+          <a:fillRef idx="1">
+            <a:schemeClr val="accent1"/>
+          </a:fillRef>
+          <a:effectRef idx="0">
+            <a:schemeClr val="accent1"/>
+          </a:effectRef>
+          <a:fontRef idx="minor">
+            <a:schemeClr val="lt1"/>
+          </a:fontRef>
+        </p:style>
+        <p:txBody>
+          <a:bodyPr rtlCol="0" anchor="ctr"/>
+          <a:lstStyle/>
+          <a:p>
+            <a:pPr algn="ctr"/>
+            <a:endParaRPr lang="en-US" dirty="0"/>
+          </a:p>
+        </p:txBody>
+      </p:sp>
+      <p:sp>
+        <p:nvSpPr>
+          <p:cNvPr id="12" name="Rectangle 11">
+            <a:extLst>
+              <a:ext uri="{FF2B5EF4-FFF2-40B4-BE49-F238E27FC236}">
+                <a16:creationId xmlns:a16="http://schemas.microsoft.com/office/drawing/2014/main" id="{7F488E8B-4E1E-4402-8935-D4E6C02615C7}"/>
+              </a:ext>
+              <a:ext uri="{C183D7F6-B498-43B3-948B-1728B52AA6E4}">
+                <adec:decorative xmlns:adec="http://schemas.microsoft.com/office/drawing/2017/decorative" val="1"/>
+              </a:ext>
+            </a:extLst>
+          </p:cNvPr>
+          <p:cNvSpPr>
+            <a:spLocks noGrp="1" noRot="1" noChangeAspect="1" noMove="1" noResize="1" noEditPoints="1" noAdjustHandles="1" noChangeArrowheads="1" noChangeShapeType="1" noTextEdit="1"/>
+          </p:cNvSpPr>
+          <p:nvPr>
+            <p:extLst>
+              <p:ext uri="{386F3935-93C4-4BCD-93E2-E3B085C9AB24}">
+                <p16:designElem xmlns:p16="http://schemas.microsoft.com/office/powerpoint/2015/main" val="1"/>
+              </p:ext>
+            </p:extLst>
+          </p:nvPr>
+        </p:nvSpPr>
+        <p:spPr>
+          <a:xfrm>
+            <a:off x="481330" y="467456"/>
+            <a:ext cx="8178790" cy="4205911"/>
+          </a:xfrm>
+          <a:prstGeom prst="rect">
+            <a:avLst/>
+          </a:prstGeom>
+          <a:noFill/>
+          <a:ln w="19050">
+            <a:solidFill>
+              <a:schemeClr val="tx1">
+                <a:lumMod val="75000"/>
+                <a:lumOff val="25000"/>
+              </a:schemeClr>
+            </a:solidFill>
+          </a:ln>
+        </p:spPr>
+        <p:style>
+          <a:lnRef idx="2">
+            <a:schemeClr val="accent1">
+              <a:shade val="50000"/>
+            </a:schemeClr>
+          </a:lnRef>
+          <a:fillRef idx="1">
+            <a:schemeClr val="accent1"/>
+          </a:fillRef>
+          <a:effectRef idx="0">
+            <a:schemeClr val="accent1"/>
+          </a:effectRef>
+          <a:fontRef idx="minor">
+            <a:schemeClr val="lt1"/>
+          </a:fontRef>
+        </p:style>
+        <p:txBody>
+          <a:bodyPr rtlCol="0" anchor="ctr"/>
+          <a:lstStyle/>
+          <a:p>
+            <a:pPr algn="ctr"/>
+            <a:endParaRPr lang="en-US"/>
+          </a:p>
+        </p:txBody>
+      </p:sp>
       <p:sp>
         <p:nvSpPr>
           <p:cNvPr id="2" name="Title 1"/>
@@ -8667,15 +9593,23 @@
             <p:ph type="title"/>
           </p:nvPr>
         </p:nvSpPr>
-        <p:spPr/>
-        <p:txBody>
-          <a:bodyPr/>
-          <a:lstStyle/>
-          <a:p>
-            <a:pPr marL="0" lvl="0" indent="0">
-              <a:buNone/>
-            </a:pPr>
-            <a:r>
+        <p:spPr>
+          <a:xfrm>
+            <a:off x="963930" y="787946"/>
+            <a:ext cx="6056111" cy="1213867"/>
+          </a:xfrm>
+        </p:spPr>
+        <p:txBody>
+          <a:bodyPr anchor="ctr">
+            <a:normAutofit/>
+          </a:bodyPr>
+          <a:lstStyle/>
+          <a:p>
+            <a:pPr marL="0" lvl="0" indent="0">
+              <a:buNone/>
+            </a:pPr>
+            <a:r>
+              <a:rPr lang="en-US" sz="4600"/>
               <a:t>Geographic Foundation</a:t>
             </a:r>
           </a:p>
@@ -8691,43 +9625,52 @@
             <p:ph idx="1"/>
           </p:nvPr>
         </p:nvSpPr>
-        <p:spPr/>
-        <p:txBody>
-          <a:bodyPr/>
-          <a:lstStyle/>
-          <a:p>
-            <a:pPr marL="0" lvl="0" indent="0">
-              <a:buNone/>
-            </a:pPr>
-            <a:r>
-              <a:rPr b="1"/>
+        <p:spPr>
+          <a:xfrm>
+            <a:off x="963930" y="2227101"/>
+            <a:ext cx="6056111" cy="2100297"/>
+          </a:xfrm>
+        </p:spPr>
+        <p:txBody>
+          <a:bodyPr anchor="t">
+            <a:normAutofit/>
+          </a:bodyPr>
+          <a:lstStyle/>
+          <a:p>
+            <a:pPr marL="0" lvl="0" indent="0">
+              <a:buNone/>
+            </a:pPr>
+            <a:r>
+              <a:rPr lang="en-US" sz="1800" b="1"/>
               <a:t>“The Land Between Rivers”</a:t>
             </a:r>
           </a:p>
           <a:p>
             <a:pPr lvl="0"/>
             <a:r>
-              <a:rPr b="1"/>
+              <a:rPr lang="en-US" sz="1800" b="1"/>
               <a:t>Tigris and Euphrates Rivers</a:t>
             </a:r>
           </a:p>
           <a:p>
             <a:pPr lvl="0"/>
             <a:r>
-              <a:rPr b="1"/>
+              <a:rPr lang="en-US" sz="1800" b="1"/>
               <a:t>Fertile alluvial soil</a:t>
             </a:r>
             <a:r>
+              <a:rPr lang="en-US" sz="1800"/>
               <a:t> from annual flooding</a:t>
             </a:r>
           </a:p>
           <a:p>
             <a:pPr lvl="0"/>
             <a:r>
-              <a:rPr b="1"/>
+              <a:rPr lang="en-US" sz="1800" b="1"/>
               <a:t>Strategic location</a:t>
             </a:r>
             <a:r>
+              <a:rPr lang="en-US" sz="1800"/>
               <a:t> connecting Asia, Africa, and Europe</a:t>
             </a:r>
           </a:p>
@@ -9429,6 +10372,14 @@
 <file path=ppt/slides/slide4.xml><?xml version="1.0" encoding="utf-8"?>
 <p:sld xmlns:a="http://schemas.openxmlformats.org/drawingml/2006/main" xmlns:r="http://schemas.openxmlformats.org/officeDocument/2006/relationships" xmlns:p="http://schemas.openxmlformats.org/presentationml/2006/main">
   <p:cSld>
+    <p:bg>
+      <p:bgPr>
+        <a:solidFill>
+          <a:schemeClr val="bg1"/>
+        </a:solidFill>
+        <a:effectLst/>
+      </p:bgPr>
+    </p:bg>
     <p:spTree>
       <p:nvGrpSpPr>
         <p:cNvPr id="1" name=""/>
@@ -9443,6 +10394,264 @@
           <a:chExt cx="0" cy="0"/>
         </a:xfrm>
       </p:grpSpPr>
+      <p:sp useBgFill="1">
+        <p:nvSpPr>
+          <p:cNvPr id="8" name="Rectangle 7">
+            <a:extLst>
+              <a:ext uri="{FF2B5EF4-FFF2-40B4-BE49-F238E27FC236}">
+                <a16:creationId xmlns:a16="http://schemas.microsoft.com/office/drawing/2014/main" id="{081EA652-8C6A-4E69-BEB9-170809474553}"/>
+              </a:ext>
+              <a:ext uri="{C183D7F6-B498-43B3-948B-1728B52AA6E4}">
+                <adec:decorative xmlns:adec="http://schemas.microsoft.com/office/drawing/2017/decorative" val="1"/>
+              </a:ext>
+            </a:extLst>
+          </p:cNvPr>
+          <p:cNvSpPr>
+            <a:spLocks noGrp="1" noRot="1" noChangeAspect="1" noMove="1" noResize="1" noEditPoints="1" noAdjustHandles="1" noChangeArrowheads="1" noChangeShapeType="1" noTextEdit="1"/>
+          </p:cNvSpPr>
+          <p:nvPr>
+            <p:extLst>
+              <p:ext uri="{386F3935-93C4-4BCD-93E2-E3B085C9AB24}">
+                <p16:designElem xmlns:p16="http://schemas.microsoft.com/office/powerpoint/2015/main" val="1"/>
+              </p:ext>
+            </p:extLst>
+          </p:nvPr>
+        </p:nvSpPr>
+        <p:spPr>
+          <a:xfrm>
+            <a:off x="0" y="0"/>
+            <a:ext cx="9144000" cy="5143500"/>
+          </a:xfrm>
+          <a:prstGeom prst="rect">
+            <a:avLst/>
+          </a:prstGeom>
+          <a:ln>
+            <a:noFill/>
+          </a:ln>
+        </p:spPr>
+        <p:style>
+          <a:lnRef idx="2">
+            <a:schemeClr val="accent1">
+              <a:shade val="50000"/>
+            </a:schemeClr>
+          </a:lnRef>
+          <a:fillRef idx="1">
+            <a:schemeClr val="accent1"/>
+          </a:fillRef>
+          <a:effectRef idx="0">
+            <a:schemeClr val="accent1"/>
+          </a:effectRef>
+          <a:fontRef idx="minor">
+            <a:schemeClr val="lt1"/>
+          </a:fontRef>
+        </p:style>
+        <p:txBody>
+          <a:bodyPr rtlCol="0" anchor="ctr"/>
+          <a:lstStyle/>
+          <a:p>
+            <a:pPr algn="ctr"/>
+            <a:endParaRPr lang="en-US"/>
+          </a:p>
+        </p:txBody>
+      </p:sp>
+      <p:sp>
+        <p:nvSpPr>
+          <p:cNvPr id="10" name="Rectangle 9">
+            <a:extLst>
+              <a:ext uri="{FF2B5EF4-FFF2-40B4-BE49-F238E27FC236}">
+                <a16:creationId xmlns:a16="http://schemas.microsoft.com/office/drawing/2014/main" id="{10B777DF-F6A2-4D53-B6F0-D9700609EE79}"/>
+              </a:ext>
+              <a:ext uri="{C183D7F6-B498-43B3-948B-1728B52AA6E4}">
+                <adec:decorative xmlns:adec="http://schemas.microsoft.com/office/drawing/2017/decorative" val="1"/>
+              </a:ext>
+            </a:extLst>
+          </p:cNvPr>
+          <p:cNvSpPr>
+            <a:spLocks noGrp="1" noRot="1" noChangeAspect="1" noMove="1" noResize="1" noEditPoints="1" noAdjustHandles="1" noChangeArrowheads="1" noChangeShapeType="1" noTextEdit="1"/>
+          </p:cNvSpPr>
+          <p:nvPr>
+            <p:extLst>
+              <p:ext uri="{386F3935-93C4-4BCD-93E2-E3B085C9AB24}">
+                <p16:designElem xmlns:p16="http://schemas.microsoft.com/office/powerpoint/2015/main" val="1"/>
+              </p:ext>
+            </p:extLst>
+          </p:nvPr>
+        </p:nvSpPr>
+        <p:spPr>
+          <a:xfrm>
+            <a:off x="482606" y="468794"/>
+            <a:ext cx="4089394" cy="4205911"/>
+          </a:xfrm>
+          <a:prstGeom prst="rect">
+            <a:avLst/>
+          </a:prstGeom>
+          <a:solidFill>
+            <a:schemeClr val="tx1">
+              <a:lumMod val="50000"/>
+              <a:lumOff val="50000"/>
+              <a:alpha val="25000"/>
+            </a:schemeClr>
+          </a:solidFill>
+          <a:ln>
+            <a:noFill/>
+          </a:ln>
+        </p:spPr>
+        <p:style>
+          <a:lnRef idx="2">
+            <a:schemeClr val="accent1">
+              <a:shade val="50000"/>
+            </a:schemeClr>
+          </a:lnRef>
+          <a:fillRef idx="1">
+            <a:schemeClr val="accent1"/>
+          </a:fillRef>
+          <a:effectRef idx="0">
+            <a:schemeClr val="accent1"/>
+          </a:effectRef>
+          <a:fontRef idx="minor">
+            <a:schemeClr val="lt1"/>
+          </a:fontRef>
+        </p:style>
+        <p:txBody>
+          <a:bodyPr wrap="square" rtlCol="0" anchor="ctr">
+            <a:noAutofit/>
+          </a:bodyPr>
+          <a:lstStyle/>
+          <a:p>
+            <a:pPr algn="ctr"/>
+            <a:endParaRPr lang="en-US"/>
+          </a:p>
+        </p:txBody>
+      </p:sp>
+      <p:sp>
+        <p:nvSpPr>
+          <p:cNvPr id="12" name="Right Triangle 11">
+            <a:extLst>
+              <a:ext uri="{FF2B5EF4-FFF2-40B4-BE49-F238E27FC236}">
+                <a16:creationId xmlns:a16="http://schemas.microsoft.com/office/drawing/2014/main" id="{5298780A-33B9-4EA2-8F67-DE68AD62841B}"/>
+              </a:ext>
+              <a:ext uri="{C183D7F6-B498-43B3-948B-1728B52AA6E4}">
+                <adec:decorative xmlns:adec="http://schemas.microsoft.com/office/drawing/2017/decorative" val="1"/>
+              </a:ext>
+            </a:extLst>
+          </p:cNvPr>
+          <p:cNvSpPr>
+            <a:spLocks noGrp="1" noRot="1" noChangeAspect="1" noMove="1" noResize="1" noEditPoints="1" noAdjustHandles="1" noChangeArrowheads="1" noChangeShapeType="1" noTextEdit="1"/>
+          </p:cNvSpPr>
+          <p:nvPr>
+            <p:extLst>
+              <p:ext uri="{386F3935-93C4-4BCD-93E2-E3B085C9AB24}">
+                <p16:designElem xmlns:p16="http://schemas.microsoft.com/office/powerpoint/2015/main" val="1"/>
+              </p:ext>
+            </p:extLst>
+          </p:nvPr>
+        </p:nvSpPr>
+        <p:spPr>
+          <a:xfrm flipH="1">
+            <a:off x="6432540" y="2501900"/>
+            <a:ext cx="2468880" cy="2400300"/>
+          </a:xfrm>
+          <a:prstGeom prst="rtTriangle">
+            <a:avLst/>
+          </a:prstGeom>
+          <a:solidFill>
+            <a:schemeClr val="accent4"/>
+          </a:solidFill>
+          <a:ln>
+            <a:noFill/>
+          </a:ln>
+        </p:spPr>
+        <p:style>
+          <a:lnRef idx="2">
+            <a:schemeClr val="accent1">
+              <a:shade val="50000"/>
+            </a:schemeClr>
+          </a:lnRef>
+          <a:fillRef idx="1">
+            <a:schemeClr val="accent1"/>
+          </a:fillRef>
+          <a:effectRef idx="0">
+            <a:schemeClr val="accent1"/>
+          </a:effectRef>
+          <a:fontRef idx="minor">
+            <a:schemeClr val="lt1"/>
+          </a:fontRef>
+        </p:style>
+        <p:txBody>
+          <a:bodyPr rtlCol="0" anchor="ctr"/>
+          <a:lstStyle/>
+          <a:p>
+            <a:pPr algn="ctr"/>
+            <a:endParaRPr lang="en-US" dirty="0"/>
+          </a:p>
+        </p:txBody>
+      </p:sp>
+      <p:sp>
+        <p:nvSpPr>
+          <p:cNvPr id="14" name="Rectangle 13">
+            <a:extLst>
+              <a:ext uri="{FF2B5EF4-FFF2-40B4-BE49-F238E27FC236}">
+                <a16:creationId xmlns:a16="http://schemas.microsoft.com/office/drawing/2014/main" id="{7F488E8B-4E1E-4402-8935-D4E6C02615C7}"/>
+              </a:ext>
+              <a:ext uri="{C183D7F6-B498-43B3-948B-1728B52AA6E4}">
+                <adec:decorative xmlns:adec="http://schemas.microsoft.com/office/drawing/2017/decorative" val="1"/>
+              </a:ext>
+            </a:extLst>
+          </p:cNvPr>
+          <p:cNvSpPr>
+            <a:spLocks noGrp="1" noRot="1" noChangeAspect="1" noMove="1" noResize="1" noEditPoints="1" noAdjustHandles="1" noChangeArrowheads="1" noChangeShapeType="1" noTextEdit="1"/>
+          </p:cNvSpPr>
+          <p:nvPr>
+            <p:extLst>
+              <p:ext uri="{386F3935-93C4-4BCD-93E2-E3B085C9AB24}">
+                <p16:designElem xmlns:p16="http://schemas.microsoft.com/office/powerpoint/2015/main" val="1"/>
+              </p:ext>
+            </p:extLst>
+          </p:nvPr>
+        </p:nvSpPr>
+        <p:spPr>
+          <a:xfrm>
+            <a:off x="481330" y="467456"/>
+            <a:ext cx="8178790" cy="4205911"/>
+          </a:xfrm>
+          <a:prstGeom prst="rect">
+            <a:avLst/>
+          </a:prstGeom>
+          <a:noFill/>
+          <a:ln w="19050">
+            <a:solidFill>
+              <a:schemeClr val="tx1">
+                <a:lumMod val="75000"/>
+                <a:lumOff val="25000"/>
+              </a:schemeClr>
+            </a:solidFill>
+          </a:ln>
+        </p:spPr>
+        <p:style>
+          <a:lnRef idx="2">
+            <a:schemeClr val="accent1">
+              <a:shade val="50000"/>
+            </a:schemeClr>
+          </a:lnRef>
+          <a:fillRef idx="1">
+            <a:schemeClr val="accent1"/>
+          </a:fillRef>
+          <a:effectRef idx="0">
+            <a:schemeClr val="accent1"/>
+          </a:effectRef>
+          <a:fontRef idx="minor">
+            <a:schemeClr val="lt1"/>
+          </a:fontRef>
+        </p:style>
+        <p:txBody>
+          <a:bodyPr rtlCol="0" anchor="ctr"/>
+          <a:lstStyle/>
+          <a:p>
+            <a:pPr algn="ctr"/>
+            <a:endParaRPr lang="en-US"/>
+          </a:p>
+        </p:txBody>
+      </p:sp>
       <p:sp>
         <p:nvSpPr>
           <p:cNvPr id="2" name="Title 1"/>
@@ -9453,15 +10662,30 @@
             <p:ph type="title"/>
           </p:nvPr>
         </p:nvSpPr>
-        <p:spPr/>
-        <p:txBody>
-          <a:bodyPr/>
-          <a:lstStyle/>
-          <a:p>
-            <a:pPr marL="0" lvl="0" indent="0">
-              <a:buNone/>
-            </a:pPr>
-            <a:r>
+        <p:spPr>
+          <a:xfrm>
+            <a:off x="755175" y="891477"/>
+            <a:ext cx="3467522" cy="3360545"/>
+          </a:xfrm>
+        </p:spPr>
+        <p:txBody>
+          <a:bodyPr>
+            <a:normAutofit/>
+          </a:bodyPr>
+          <a:lstStyle/>
+          <a:p>
+            <a:pPr marL="0" lvl="0" indent="0" algn="r">
+              <a:buNone/>
+            </a:pPr>
+            <a:r>
+              <a:rPr lang="en-US" sz="3900">
+                <a:solidFill>
+                  <a:schemeClr val="tx1">
+                    <a:lumMod val="75000"/>
+                    <a:lumOff val="25000"/>
+                  </a:schemeClr>
+                </a:solidFill>
+              </a:rPr>
               <a:t>The Challenge of Mesopotamian Geography</a:t>
             </a:r>
           </a:p>
@@ -9477,56 +10701,67 @@
             <p:ph idx="1"/>
           </p:nvPr>
         </p:nvSpPr>
-        <p:spPr/>
-        <p:txBody>
-          <a:bodyPr/>
-          <a:lstStyle/>
-          <a:p>
-            <a:pPr marL="0" lvl="0" indent="0">
-              <a:buNone/>
-            </a:pPr>
-            <a:r>
-              <a:rPr b="1"/>
+        <p:spPr>
+          <a:xfrm>
+            <a:off x="4933188" y="825190"/>
+            <a:ext cx="3601212" cy="3650166"/>
+          </a:xfrm>
+        </p:spPr>
+        <p:txBody>
+          <a:bodyPr anchor="ctr">
+            <a:normAutofit/>
+          </a:bodyPr>
+          <a:lstStyle/>
+          <a:p>
+            <a:pPr marL="0" lvl="0" indent="0">
+              <a:buNone/>
+            </a:pPr>
+            <a:r>
+              <a:rPr lang="en-US" sz="2000" b="1" dirty="0"/>
               <a:t>Unlike Egypt’s predictable Nile:</a:t>
             </a:r>
           </a:p>
           <a:p>
             <a:pPr lvl="0"/>
             <a:r>
-              <a:rPr b="1"/>
+              <a:rPr lang="en-US" sz="2000" b="1" dirty="0"/>
               <a:t>Unpredictable flooding</a:t>
             </a:r>
             <a:r>
+              <a:rPr lang="en-US" sz="2000" dirty="0"/>
               <a:t> - sometimes devastating</a:t>
             </a:r>
           </a:p>
           <a:p>
             <a:pPr lvl="0"/>
             <a:r>
-              <a:rPr b="1"/>
+              <a:rPr lang="en-US" sz="2000" b="1" dirty="0"/>
               <a:t>No natural barriers</a:t>
             </a:r>
             <a:r>
+              <a:rPr lang="en-US" sz="2000" dirty="0"/>
               <a:t> - constant invasions</a:t>
             </a:r>
           </a:p>
           <a:p>
             <a:pPr lvl="0"/>
             <a:r>
-              <a:rPr b="1"/>
+              <a:rPr lang="en-US" sz="2000" b="1" dirty="0"/>
               <a:t>Limited resources</a:t>
             </a:r>
             <a:r>
+              <a:rPr lang="en-US" sz="2000" dirty="0"/>
               <a:t> - few trees, little stone</a:t>
             </a:r>
           </a:p>
           <a:p>
             <a:pPr lvl="0"/>
             <a:r>
-              <a:rPr b="1"/>
+              <a:rPr lang="en-US" sz="2000" b="1" dirty="0"/>
               <a:t>Harsh climate</a:t>
             </a:r>
             <a:r>
+              <a:rPr lang="en-US" sz="2000" dirty="0"/>
               <a:t> - extreme heat and drought</a:t>
             </a:r>
           </a:p>
@@ -9543,6 +10778,14 @@
 <file path=ppt/slides/slide5.xml><?xml version="1.0" encoding="utf-8"?>
 <p:sld xmlns:a="http://schemas.openxmlformats.org/drawingml/2006/main" xmlns:r="http://schemas.openxmlformats.org/officeDocument/2006/relationships" xmlns:p="http://schemas.openxmlformats.org/presentationml/2006/main">
   <p:cSld>
+    <p:bg>
+      <p:bgPr>
+        <a:solidFill>
+          <a:schemeClr val="bg1"/>
+        </a:solidFill>
+        <a:effectLst/>
+      </p:bgPr>
+    </p:bg>
     <p:spTree>
       <p:nvGrpSpPr>
         <p:cNvPr id="1" name=""/>
@@ -9557,6 +10800,264 @@
           <a:chExt cx="0" cy="0"/>
         </a:xfrm>
       </p:grpSpPr>
+      <p:sp useBgFill="1">
+        <p:nvSpPr>
+          <p:cNvPr id="8" name="Rectangle 7">
+            <a:extLst>
+              <a:ext uri="{FF2B5EF4-FFF2-40B4-BE49-F238E27FC236}">
+                <a16:creationId xmlns:a16="http://schemas.microsoft.com/office/drawing/2014/main" id="{081EA652-8C6A-4E69-BEB9-170809474553}"/>
+              </a:ext>
+              <a:ext uri="{C183D7F6-B498-43B3-948B-1728B52AA6E4}">
+                <adec:decorative xmlns:adec="http://schemas.microsoft.com/office/drawing/2017/decorative" val="1"/>
+              </a:ext>
+            </a:extLst>
+          </p:cNvPr>
+          <p:cNvSpPr>
+            <a:spLocks noGrp="1" noRot="1" noChangeAspect="1" noMove="1" noResize="1" noEditPoints="1" noAdjustHandles="1" noChangeArrowheads="1" noChangeShapeType="1" noTextEdit="1"/>
+          </p:cNvSpPr>
+          <p:nvPr>
+            <p:extLst>
+              <p:ext uri="{386F3935-93C4-4BCD-93E2-E3B085C9AB24}">
+                <p16:designElem xmlns:p16="http://schemas.microsoft.com/office/powerpoint/2015/main" val="1"/>
+              </p:ext>
+            </p:extLst>
+          </p:nvPr>
+        </p:nvSpPr>
+        <p:spPr>
+          <a:xfrm>
+            <a:off x="0" y="0"/>
+            <a:ext cx="9144000" cy="5143500"/>
+          </a:xfrm>
+          <a:prstGeom prst="rect">
+            <a:avLst/>
+          </a:prstGeom>
+          <a:ln>
+            <a:noFill/>
+          </a:ln>
+        </p:spPr>
+        <p:style>
+          <a:lnRef idx="2">
+            <a:schemeClr val="accent1">
+              <a:shade val="50000"/>
+            </a:schemeClr>
+          </a:lnRef>
+          <a:fillRef idx="1">
+            <a:schemeClr val="accent1"/>
+          </a:fillRef>
+          <a:effectRef idx="0">
+            <a:schemeClr val="accent1"/>
+          </a:effectRef>
+          <a:fontRef idx="minor">
+            <a:schemeClr val="lt1"/>
+          </a:fontRef>
+        </p:style>
+        <p:txBody>
+          <a:bodyPr rtlCol="0" anchor="ctr"/>
+          <a:lstStyle/>
+          <a:p>
+            <a:pPr algn="ctr"/>
+            <a:endParaRPr lang="en-US"/>
+          </a:p>
+        </p:txBody>
+      </p:sp>
+      <p:sp>
+        <p:nvSpPr>
+          <p:cNvPr id="10" name="Rectangle 9">
+            <a:extLst>
+              <a:ext uri="{FF2B5EF4-FFF2-40B4-BE49-F238E27FC236}">
+                <a16:creationId xmlns:a16="http://schemas.microsoft.com/office/drawing/2014/main" id="{10B777DF-F6A2-4D53-B6F0-D9700609EE79}"/>
+              </a:ext>
+              <a:ext uri="{C183D7F6-B498-43B3-948B-1728B52AA6E4}">
+                <adec:decorative xmlns:adec="http://schemas.microsoft.com/office/drawing/2017/decorative" val="1"/>
+              </a:ext>
+            </a:extLst>
+          </p:cNvPr>
+          <p:cNvSpPr>
+            <a:spLocks noGrp="1" noRot="1" noChangeAspect="1" noMove="1" noResize="1" noEditPoints="1" noAdjustHandles="1" noChangeArrowheads="1" noChangeShapeType="1" noTextEdit="1"/>
+          </p:cNvSpPr>
+          <p:nvPr>
+            <p:extLst>
+              <p:ext uri="{386F3935-93C4-4BCD-93E2-E3B085C9AB24}">
+                <p16:designElem xmlns:p16="http://schemas.microsoft.com/office/powerpoint/2015/main" val="1"/>
+              </p:ext>
+            </p:extLst>
+          </p:nvPr>
+        </p:nvSpPr>
+        <p:spPr>
+          <a:xfrm>
+            <a:off x="482606" y="468794"/>
+            <a:ext cx="4089394" cy="4205911"/>
+          </a:xfrm>
+          <a:prstGeom prst="rect">
+            <a:avLst/>
+          </a:prstGeom>
+          <a:solidFill>
+            <a:schemeClr val="tx1">
+              <a:lumMod val="50000"/>
+              <a:lumOff val="50000"/>
+              <a:alpha val="25000"/>
+            </a:schemeClr>
+          </a:solidFill>
+          <a:ln>
+            <a:noFill/>
+          </a:ln>
+        </p:spPr>
+        <p:style>
+          <a:lnRef idx="2">
+            <a:schemeClr val="accent1">
+              <a:shade val="50000"/>
+            </a:schemeClr>
+          </a:lnRef>
+          <a:fillRef idx="1">
+            <a:schemeClr val="accent1"/>
+          </a:fillRef>
+          <a:effectRef idx="0">
+            <a:schemeClr val="accent1"/>
+          </a:effectRef>
+          <a:fontRef idx="minor">
+            <a:schemeClr val="lt1"/>
+          </a:fontRef>
+        </p:style>
+        <p:txBody>
+          <a:bodyPr wrap="square" rtlCol="0" anchor="ctr">
+            <a:noAutofit/>
+          </a:bodyPr>
+          <a:lstStyle/>
+          <a:p>
+            <a:pPr algn="ctr"/>
+            <a:endParaRPr lang="en-US"/>
+          </a:p>
+        </p:txBody>
+      </p:sp>
+      <p:sp>
+        <p:nvSpPr>
+          <p:cNvPr id="12" name="Right Triangle 11">
+            <a:extLst>
+              <a:ext uri="{FF2B5EF4-FFF2-40B4-BE49-F238E27FC236}">
+                <a16:creationId xmlns:a16="http://schemas.microsoft.com/office/drawing/2014/main" id="{5298780A-33B9-4EA2-8F67-DE68AD62841B}"/>
+              </a:ext>
+              <a:ext uri="{C183D7F6-B498-43B3-948B-1728B52AA6E4}">
+                <adec:decorative xmlns:adec="http://schemas.microsoft.com/office/drawing/2017/decorative" val="1"/>
+              </a:ext>
+            </a:extLst>
+          </p:cNvPr>
+          <p:cNvSpPr>
+            <a:spLocks noGrp="1" noRot="1" noChangeAspect="1" noMove="1" noResize="1" noEditPoints="1" noAdjustHandles="1" noChangeArrowheads="1" noChangeShapeType="1" noTextEdit="1"/>
+          </p:cNvSpPr>
+          <p:nvPr>
+            <p:extLst>
+              <p:ext uri="{386F3935-93C4-4BCD-93E2-E3B085C9AB24}">
+                <p16:designElem xmlns:p16="http://schemas.microsoft.com/office/powerpoint/2015/main" val="1"/>
+              </p:ext>
+            </p:extLst>
+          </p:nvPr>
+        </p:nvSpPr>
+        <p:spPr>
+          <a:xfrm flipH="1">
+            <a:off x="6432540" y="2501900"/>
+            <a:ext cx="2468880" cy="2400300"/>
+          </a:xfrm>
+          <a:prstGeom prst="rtTriangle">
+            <a:avLst/>
+          </a:prstGeom>
+          <a:solidFill>
+            <a:schemeClr val="accent4"/>
+          </a:solidFill>
+          <a:ln>
+            <a:noFill/>
+          </a:ln>
+        </p:spPr>
+        <p:style>
+          <a:lnRef idx="2">
+            <a:schemeClr val="accent1">
+              <a:shade val="50000"/>
+            </a:schemeClr>
+          </a:lnRef>
+          <a:fillRef idx="1">
+            <a:schemeClr val="accent1"/>
+          </a:fillRef>
+          <a:effectRef idx="0">
+            <a:schemeClr val="accent1"/>
+          </a:effectRef>
+          <a:fontRef idx="minor">
+            <a:schemeClr val="lt1"/>
+          </a:fontRef>
+        </p:style>
+        <p:txBody>
+          <a:bodyPr rtlCol="0" anchor="ctr"/>
+          <a:lstStyle/>
+          <a:p>
+            <a:pPr algn="ctr"/>
+            <a:endParaRPr lang="en-US" dirty="0"/>
+          </a:p>
+        </p:txBody>
+      </p:sp>
+      <p:sp>
+        <p:nvSpPr>
+          <p:cNvPr id="14" name="Rectangle 13">
+            <a:extLst>
+              <a:ext uri="{FF2B5EF4-FFF2-40B4-BE49-F238E27FC236}">
+                <a16:creationId xmlns:a16="http://schemas.microsoft.com/office/drawing/2014/main" id="{7F488E8B-4E1E-4402-8935-D4E6C02615C7}"/>
+              </a:ext>
+              <a:ext uri="{C183D7F6-B498-43B3-948B-1728B52AA6E4}">
+                <adec:decorative xmlns:adec="http://schemas.microsoft.com/office/drawing/2017/decorative" val="1"/>
+              </a:ext>
+            </a:extLst>
+          </p:cNvPr>
+          <p:cNvSpPr>
+            <a:spLocks noGrp="1" noRot="1" noChangeAspect="1" noMove="1" noResize="1" noEditPoints="1" noAdjustHandles="1" noChangeArrowheads="1" noChangeShapeType="1" noTextEdit="1"/>
+          </p:cNvSpPr>
+          <p:nvPr>
+            <p:extLst>
+              <p:ext uri="{386F3935-93C4-4BCD-93E2-E3B085C9AB24}">
+                <p16:designElem xmlns:p16="http://schemas.microsoft.com/office/powerpoint/2015/main" val="1"/>
+              </p:ext>
+            </p:extLst>
+          </p:nvPr>
+        </p:nvSpPr>
+        <p:spPr>
+          <a:xfrm>
+            <a:off x="481330" y="467456"/>
+            <a:ext cx="8178790" cy="4205911"/>
+          </a:xfrm>
+          <a:prstGeom prst="rect">
+            <a:avLst/>
+          </a:prstGeom>
+          <a:noFill/>
+          <a:ln w="19050">
+            <a:solidFill>
+              <a:schemeClr val="tx1">
+                <a:lumMod val="75000"/>
+                <a:lumOff val="25000"/>
+              </a:schemeClr>
+            </a:solidFill>
+          </a:ln>
+        </p:spPr>
+        <p:style>
+          <a:lnRef idx="2">
+            <a:schemeClr val="accent1">
+              <a:shade val="50000"/>
+            </a:schemeClr>
+          </a:lnRef>
+          <a:fillRef idx="1">
+            <a:schemeClr val="accent1"/>
+          </a:fillRef>
+          <a:effectRef idx="0">
+            <a:schemeClr val="accent1"/>
+          </a:effectRef>
+          <a:fontRef idx="minor">
+            <a:schemeClr val="lt1"/>
+          </a:fontRef>
+        </p:style>
+        <p:txBody>
+          <a:bodyPr rtlCol="0" anchor="ctr"/>
+          <a:lstStyle/>
+          <a:p>
+            <a:pPr algn="ctr"/>
+            <a:endParaRPr lang="en-US"/>
+          </a:p>
+        </p:txBody>
+      </p:sp>
       <p:sp>
         <p:nvSpPr>
           <p:cNvPr id="2" name="Title 1"/>
@@ -9567,15 +11068,30 @@
             <p:ph type="title"/>
           </p:nvPr>
         </p:nvSpPr>
-        <p:spPr/>
-        <p:txBody>
-          <a:bodyPr/>
-          <a:lstStyle/>
-          <a:p>
-            <a:pPr marL="0" lvl="0" indent="0">
-              <a:buNone/>
-            </a:pPr>
-            <a:r>
+        <p:spPr>
+          <a:xfrm>
+            <a:off x="755175" y="891477"/>
+            <a:ext cx="3467522" cy="3360545"/>
+          </a:xfrm>
+        </p:spPr>
+        <p:txBody>
+          <a:bodyPr>
+            <a:normAutofit/>
+          </a:bodyPr>
+          <a:lstStyle/>
+          <a:p>
+            <a:pPr marL="0" lvl="0" indent="0" algn="r">
+              <a:buNone/>
+            </a:pPr>
+            <a:r>
+              <a:rPr lang="en-US" sz="5000">
+                <a:solidFill>
+                  <a:schemeClr val="tx1">
+                    <a:lumMod val="75000"/>
+                    <a:lumOff val="25000"/>
+                  </a:schemeClr>
+                </a:solidFill>
+              </a:rPr>
               <a:t>How Geography Shaped Society</a:t>
             </a:r>
           </a:p>
@@ -9591,16 +11107,23 @@
             <p:ph idx="1"/>
           </p:nvPr>
         </p:nvSpPr>
-        <p:spPr/>
-        <p:txBody>
-          <a:bodyPr/>
-          <a:lstStyle/>
-          <a:p>
-            <a:pPr marL="0" lvl="0" indent="0">
-              <a:buNone/>
-            </a:pPr>
-            <a:r>
-              <a:rPr b="1"/>
+        <p:spPr>
+          <a:xfrm>
+            <a:off x="4933188" y="683940"/>
+            <a:ext cx="3512002" cy="3791415"/>
+          </a:xfrm>
+        </p:spPr>
+        <p:txBody>
+          <a:bodyPr anchor="ctr">
+            <a:normAutofit/>
+          </a:bodyPr>
+          <a:lstStyle/>
+          <a:p>
+            <a:pPr marL="0" lvl="0" indent="0">
+              <a:buNone/>
+            </a:pPr>
+            <a:r>
+              <a:rPr lang="en-US" sz="2800" b="1" dirty="0"/>
               <a:t>Key Question:</a:t>
             </a:r>
           </a:p>
@@ -9609,6 +11132,7 @@
               <a:buNone/>
             </a:pPr>
             <a:r>
+              <a:rPr lang="en-US" sz="2800" dirty="0"/>
               <a:t>How might unpredictable flooding and constant threat of invasion shape a society differently than the stable, protected environment of Egypt?</a:t>
             </a:r>
           </a:p>
@@ -9675,14 +11199,16 @@
         </p:nvSpPr>
         <p:spPr/>
         <p:txBody>
-          <a:bodyPr/>
-          <a:lstStyle/>
-          <a:p>
-            <a:pPr marL="0" lvl="0" indent="0">
-              <a:buNone/>
-            </a:pPr>
-            <a:r>
-              <a:rPr b="1"/>
+          <a:bodyPr>
+            <a:normAutofit/>
+          </a:bodyPr>
+          <a:lstStyle/>
+          <a:p>
+            <a:pPr marL="0" lvl="0" indent="0">
+              <a:buNone/>
+            </a:pPr>
+            <a:r>
+              <a:rPr sz="3200" b="1" dirty="0"/>
               <a:t>c. 3500-2000 BCE</a:t>
             </a:r>
           </a:p>
@@ -9691,10 +11217,11 @@
               <a:buNone/>
             </a:pPr>
             <a:r>
-              <a:rPr b="1"/>
+              <a:rPr sz="3200" b="1" dirty="0"/>
               <a:t>The World’s First:</a:t>
             </a:r>
             <a:r>
+              <a:rPr sz="3200" dirty="0"/>
               <a:t> - City-states - Written language - Formal government - Professional armies</a:t>
             </a:r>
           </a:p>
@@ -9761,51 +11288,69 @@
         </p:nvSpPr>
         <p:spPr/>
         <p:txBody>
-          <a:bodyPr/>
-          <a:lstStyle/>
-          <a:p>
-            <a:pPr marL="0" lvl="0" indent="0">
-              <a:buNone/>
-            </a:pPr>
-            <a:r>
-              <a:rPr b="1"/>
+          <a:bodyPr>
+            <a:normAutofit/>
+          </a:bodyPr>
+          <a:lstStyle/>
+          <a:p>
+            <a:pPr marL="0" lvl="0" indent="0">
+              <a:buNone/>
+            </a:pPr>
+            <a:r>
+              <a:rPr sz="3600" b="1" dirty="0"/>
               <a:t>Independent Urban Centers:</a:t>
             </a:r>
           </a:p>
           <a:p>
             <a:pPr lvl="0"/>
             <a:r>
-              <a:rPr b="1"/>
-              <a:t>Ur, Uruk, Lagash, Eridu</a:t>
-            </a:r>
+              <a:rPr sz="3600" b="1" dirty="0"/>
+              <a:t>Ur, </a:t>
+            </a:r>
+            <a:r>
+              <a:rPr sz="3600" b="1" dirty="0" err="1"/>
+              <a:t>Uruk</a:t>
+            </a:r>
+            <a:r>
+              <a:rPr sz="3600" b="1" dirty="0"/>
+              <a:t>, Lagash, </a:t>
+            </a:r>
+            <a:r>
+              <a:rPr sz="3600" b="1" dirty="0" err="1"/>
+              <a:t>Eridu</a:t>
+            </a:r>
+            <a:endParaRPr sz="3600" b="1" dirty="0"/>
           </a:p>
           <a:p>
             <a:pPr lvl="0"/>
             <a:r>
+              <a:rPr sz="3600" dirty="0"/>
               <a:t>Each with its own </a:t>
             </a:r>
             <a:r>
-              <a:rPr b="1"/>
+              <a:rPr sz="3600" b="1" dirty="0"/>
               <a:t>patron god</a:t>
             </a:r>
           </a:p>
           <a:p>
             <a:pPr lvl="0"/>
             <a:r>
-              <a:rPr b="1"/>
+              <a:rPr sz="3600" b="1" dirty="0"/>
               <a:t>Ziggurat</a:t>
             </a:r>
             <a:r>
+              <a:rPr sz="3600" dirty="0"/>
               <a:t> at the center</a:t>
             </a:r>
           </a:p>
           <a:p>
             <a:pPr lvl="0"/>
             <a:r>
+              <a:rPr sz="3600" dirty="0"/>
               <a:t>Surrounding </a:t>
             </a:r>
             <a:r>
-              <a:rPr b="1"/>
+              <a:rPr sz="3600" b="1" dirty="0"/>
               <a:t>agricultural lands</a:t>
             </a:r>
           </a:p>
@@ -9872,54 +11417,60 @@
         </p:nvSpPr>
         <p:spPr/>
         <p:txBody>
-          <a:bodyPr/>
-          <a:lstStyle/>
-          <a:p>
-            <a:pPr marL="0" lvl="0" indent="0">
-              <a:buNone/>
-            </a:pPr>
-            <a:r>
-              <a:rPr b="1"/>
+          <a:bodyPr>
+            <a:normAutofit/>
+          </a:bodyPr>
+          <a:lstStyle/>
+          <a:p>
+            <a:pPr marL="0" lvl="0" indent="0">
+              <a:buNone/>
+            </a:pPr>
+            <a:r>
+              <a:rPr sz="3200" b="1" dirty="0"/>
               <a:t>Geographic Factors:</a:t>
             </a:r>
           </a:p>
           <a:p>
             <a:pPr lvl="0"/>
             <a:r>
-              <a:rPr b="1"/>
+              <a:rPr sz="3200" b="1" dirty="0"/>
               <a:t>River access</a:t>
             </a:r>
             <a:r>
+              <a:rPr sz="3200" dirty="0"/>
               <a:t> for each community</a:t>
             </a:r>
           </a:p>
           <a:p>
             <a:pPr lvl="0"/>
             <a:r>
-              <a:rPr b="1"/>
+              <a:rPr sz="3200" b="1" dirty="0"/>
               <a:t>Defense</a:t>
             </a:r>
             <a:r>
+              <a:rPr sz="3200" dirty="0"/>
               <a:t> against raiders</a:t>
             </a:r>
           </a:p>
           <a:p>
             <a:pPr lvl="0"/>
             <a:r>
-              <a:rPr b="1"/>
+              <a:rPr sz="3200" b="1" dirty="0"/>
               <a:t>Local irrigation</a:t>
             </a:r>
             <a:r>
+              <a:rPr sz="3200" dirty="0"/>
               <a:t> management</a:t>
             </a:r>
           </a:p>
           <a:p>
             <a:pPr lvl="0"/>
             <a:r>
-              <a:rPr b="1"/>
+              <a:rPr sz="3200" b="1" dirty="0"/>
               <a:t>Trade route</a:t>
             </a:r>
             <a:r>
+              <a:rPr sz="3200" dirty="0"/>
               <a:t> control</a:t>
             </a:r>
           </a:p>
@@ -9928,10 +11479,11 @@
               <a:buNone/>
             </a:pPr>
             <a:r>
-              <a:rPr b="1"/>
+              <a:rPr sz="3200" b="1" dirty="0"/>
               <a:t>Result:</a:t>
             </a:r>
             <a:r>
+              <a:rPr sz="3200" dirty="0"/>
               <a:t> Constant competition and warfare</a:t>
             </a:r>
           </a:p>
@@ -9998,54 +11550,60 @@
         </p:nvSpPr>
         <p:spPr/>
         <p:txBody>
-          <a:bodyPr/>
-          <a:lstStyle/>
-          <a:p>
-            <a:pPr marL="0" lvl="0" indent="0">
-              <a:buNone/>
-            </a:pPr>
-            <a:r>
-              <a:rPr b="1"/>
+          <a:bodyPr>
+            <a:normAutofit/>
+          </a:bodyPr>
+          <a:lstStyle/>
+          <a:p>
+            <a:pPr marL="0" lvl="0" indent="0">
+              <a:buNone/>
+            </a:pPr>
+            <a:r>
+              <a:rPr sz="3200" b="1" dirty="0"/>
               <a:t>Theocratic Rule:</a:t>
             </a:r>
           </a:p>
           <a:p>
             <a:pPr lvl="0"/>
             <a:r>
-              <a:rPr b="1"/>
+              <a:rPr sz="3200" b="1" dirty="0"/>
               <a:t>Priest-King (Ensi)</a:t>
             </a:r>
             <a:r>
+              <a:rPr sz="3200" dirty="0"/>
               <a:t> - representative of the city’s god</a:t>
             </a:r>
           </a:p>
           <a:p>
             <a:pPr lvl="0"/>
             <a:r>
-              <a:rPr b="1"/>
+              <a:rPr sz="3200" b="1" dirty="0"/>
               <a:t>Temple bureaucracy</a:t>
             </a:r>
             <a:r>
+              <a:rPr sz="3200" dirty="0"/>
               <a:t> - managing resources</a:t>
             </a:r>
           </a:p>
           <a:p>
             <a:pPr lvl="0"/>
             <a:r>
-              <a:rPr b="1"/>
+              <a:rPr sz="3200" b="1" dirty="0"/>
               <a:t>Professional soldiers</a:t>
             </a:r>
             <a:r>
+              <a:rPr sz="3200" dirty="0"/>
               <a:t> - defending the city</a:t>
             </a:r>
           </a:p>
           <a:p>
             <a:pPr lvl="0"/>
             <a:r>
-              <a:rPr b="1"/>
+              <a:rPr sz="3200" b="1" dirty="0"/>
               <a:t>Skilled craftsmen</a:t>
             </a:r>
             <a:r>
+              <a:rPr sz="3200" dirty="0"/>
               <a:t> - supporting the economy</a:t>
             </a:r>
           </a:p>
